--- a/s8_deployment/lecture/deployment.pptx
+++ b/s8_deployment/lecture/deployment.pptx
@@ -5,23 +5,24 @@
     <p:sldMasterId id="2147483648" r:id="rId1"/>
   </p:sldMasterIdLst>
   <p:notesMasterIdLst>
-    <p:notesMasterId r:id="rId13"/>
+    <p:notesMasterId r:id="rId14"/>
   </p:notesMasterIdLst>
   <p:handoutMasterIdLst>
-    <p:handoutMasterId r:id="rId14"/>
+    <p:handoutMasterId r:id="rId15"/>
   </p:handoutMasterIdLst>
   <p:sldIdLst>
     <p:sldId id="256" r:id="rId2"/>
     <p:sldId id="259" r:id="rId3"/>
     <p:sldId id="258" r:id="rId4"/>
-    <p:sldId id="262" r:id="rId5"/>
-    <p:sldId id="260" r:id="rId6"/>
-    <p:sldId id="261" r:id="rId7"/>
-    <p:sldId id="264" r:id="rId8"/>
-    <p:sldId id="263" r:id="rId9"/>
-    <p:sldId id="265" r:id="rId10"/>
-    <p:sldId id="266" r:id="rId11"/>
-    <p:sldId id="267" r:id="rId12"/>
+    <p:sldId id="268" r:id="rId5"/>
+    <p:sldId id="262" r:id="rId6"/>
+    <p:sldId id="260" r:id="rId7"/>
+    <p:sldId id="269" r:id="rId8"/>
+    <p:sldId id="261" r:id="rId9"/>
+    <p:sldId id="264" r:id="rId10"/>
+    <p:sldId id="263" r:id="rId11"/>
+    <p:sldId id="265" r:id="rId12"/>
+    <p:sldId id="267" r:id="rId13"/>
   </p:sldIdLst>
   <p:sldSz cx="12192000" cy="6858000"/>
   <p:notesSz cx="6858000" cy="9144000"/>
@@ -225,7 +226,7 @@
           <a:p>
             <a:fld id="{D75CAE95-D2DD-4998-876A-092BFD628C65}" type="datetimeFigureOut">
               <a:rPr lang="da-DK" smtClean="0"/>
-              <a:t>12-01-2022</a:t>
+              <a:t>17-01-2022</a:t>
             </a:fld>
             <a:endParaRPr lang="da-DK"/>
           </a:p>
@@ -403,7 +404,7 @@
           <a:p>
             <a:fld id="{1DA8E099-58AA-4136-B409-1CAD1943D842}" type="datetimeFigureOut">
               <a:rPr lang="da-DK" smtClean="0"/>
-              <a:t>12-01-2022</a:t>
+              <a:t>17-01-2022</a:t>
             </a:fld>
             <a:endParaRPr lang="da-DK"/>
           </a:p>
@@ -821,7 +822,7 @@
           <a:p>
             <a:fld id="{C85334AD-9960-4065-BF34-86ED0345A76D}" type="datetime1">
               <a:rPr lang="en-US" smtClean="0"/>
-              <a:t>1/12/2022</a:t>
+              <a:t>1/17/2022</a:t>
             </a:fld>
             <a:endParaRPr lang="da-DK"/>
           </a:p>
@@ -1060,7 +1061,7 @@
           <a:p>
             <a:fld id="{C5669758-3775-48D7-A841-693E908C3BF4}" type="datetime1">
               <a:rPr lang="en-US" smtClean="0"/>
-              <a:t>1/12/2022</a:t>
+              <a:t>1/17/2022</a:t>
             </a:fld>
             <a:endParaRPr lang="da-DK"/>
           </a:p>
@@ -1273,7 +1274,7 @@
           <a:p>
             <a:fld id="{1E0C3FF1-EDBD-4F2A-8366-34A4E3728310}" type="datetime1">
               <a:rPr lang="en-US" smtClean="0"/>
-              <a:t>1/12/2022</a:t>
+              <a:t>1/17/2022</a:t>
             </a:fld>
             <a:endParaRPr lang="da-DK"/>
           </a:p>
@@ -1494,7 +1495,7 @@
           <a:p>
             <a:fld id="{019E29B9-5584-4737-9C98-1B926378C778}" type="datetime1">
               <a:rPr lang="en-US" smtClean="0"/>
-              <a:t>1/12/2022</a:t>
+              <a:t>1/17/2022</a:t>
             </a:fld>
             <a:endParaRPr lang="da-DK"/>
           </a:p>
@@ -1809,7 +1810,7 @@
           <a:p>
             <a:fld id="{FCE38F03-F67D-4508-A858-99FCD085087C}" type="datetime1">
               <a:rPr lang="en-US" smtClean="0"/>
-              <a:t>1/12/2022</a:t>
+              <a:t>1/17/2022</a:t>
             </a:fld>
             <a:endParaRPr lang="da-DK"/>
           </a:p>
@@ -2080,7 +2081,7 @@
           <a:p>
             <a:fld id="{B43F2930-3FFD-4F93-A4BD-4F0D1A0B4514}" type="datetime1">
               <a:rPr lang="en-US" smtClean="0"/>
-              <a:t>1/12/2022</a:t>
+              <a:t>1/17/2022</a:t>
             </a:fld>
             <a:endParaRPr lang="da-DK"/>
           </a:p>
@@ -2498,7 +2499,7 @@
           <a:p>
             <a:fld id="{8E0F9B9B-30CC-4693-8E0F-1A94A979E2C5}" type="datetime1">
               <a:rPr lang="en-US" smtClean="0"/>
-              <a:t>1/12/2022</a:t>
+              <a:t>1/17/2022</a:t>
             </a:fld>
             <a:endParaRPr lang="da-DK"/>
           </a:p>
@@ -2643,7 +2644,7 @@
           <a:p>
             <a:fld id="{6FE1433B-E6A7-44FF-8B55-539471B4D7C5}" type="datetime1">
               <a:rPr lang="en-US" smtClean="0"/>
-              <a:t>1/12/2022</a:t>
+              <a:t>1/17/2022</a:t>
             </a:fld>
             <a:endParaRPr lang="da-DK"/>
           </a:p>
@@ -2759,7 +2760,7 @@
           <a:p>
             <a:fld id="{624F4001-6A8C-42DA-824F-B5CC1375B861}" type="datetime1">
               <a:rPr lang="en-US" smtClean="0"/>
-              <a:t>1/12/2022</a:t>
+              <a:t>1/17/2022</a:t>
             </a:fld>
             <a:endParaRPr lang="da-DK"/>
           </a:p>
@@ -3075,7 +3076,7 @@
           <a:p>
             <a:fld id="{2D3BE137-2C5E-4078-8BA2-7D42D7E67218}" type="datetime1">
               <a:rPr lang="en-US" smtClean="0"/>
-              <a:t>1/12/2022</a:t>
+              <a:t>1/17/2022</a:t>
             </a:fld>
             <a:endParaRPr lang="da-DK"/>
           </a:p>
@@ -3367,7 +3368,7 @@
           <a:p>
             <a:fld id="{0D1436FF-56D3-4E93-92E8-71121EAB120E}" type="datetime1">
               <a:rPr lang="en-US" smtClean="0"/>
-              <a:t>1/12/2022</a:t>
+              <a:t>1/17/2022</a:t>
             </a:fld>
             <a:endParaRPr lang="da-DK"/>
           </a:p>
@@ -3613,7 +3614,7 @@
           <a:p>
             <a:fld id="{16601EF2-4BCA-4009-ACCF-B97F259DEF6F}" type="datetime1">
               <a:rPr lang="en-US" smtClean="0"/>
-              <a:t>1/12/2022</a:t>
+              <a:t>1/17/2022</a:t>
             </a:fld>
             <a:endParaRPr lang="da-DK"/>
           </a:p>
@@ -4208,7 +4209,7 @@
           <p:cNvPr id="2" name="Title 1">
             <a:extLst>
               <a:ext uri="{FF2B5EF4-FFF2-40B4-BE49-F238E27FC236}">
-                <a16:creationId xmlns:a16="http://schemas.microsoft.com/office/drawing/2014/main" id="{5FF1D430-AF90-4371-8AE6-04B90A92DE8C}"/>
+                <a16:creationId xmlns:a16="http://schemas.microsoft.com/office/drawing/2014/main" id="{6C8E2CF6-0AF6-4B86-B1CE-76AC3E283866}"/>
               </a:ext>
             </a:extLst>
           </p:cNvPr>
@@ -4224,32 +4225,75 @@
           <a:bodyPr/>
           <a:lstStyle/>
           <a:p>
+            <a:r>
+              <a:rPr lang="da-DK" dirty="0"/>
+              <a:t>Serilization</a:t>
+            </a:r>
+          </a:p>
+        </p:txBody>
+      </p:sp>
+      <p:sp>
+        <p:nvSpPr>
+          <p:cNvPr id="3" name="Content Placeholder 2">
+            <a:extLst>
+              <a:ext uri="{FF2B5EF4-FFF2-40B4-BE49-F238E27FC236}">
+                <a16:creationId xmlns:a16="http://schemas.microsoft.com/office/drawing/2014/main" id="{8DC65406-CBF5-4EAF-9CCD-9B03382DBABA}"/>
+              </a:ext>
+            </a:extLst>
+          </p:cNvPr>
+          <p:cNvSpPr>
+            <a:spLocks noGrp="1"/>
+          </p:cNvSpPr>
+          <p:nvPr>
+            <p:ph idx="1"/>
+          </p:nvPr>
+        </p:nvSpPr>
+        <p:spPr/>
+        <p:txBody>
+          <a:bodyPr/>
+          <a:lstStyle/>
+          <a:p>
+            <a:r>
+              <a:rPr lang="da-DK" dirty="0">
+                <a:latin typeface="+mj-lt"/>
+              </a:rPr>
+              <a:t>torch.jit.script </a:t>
+            </a:r>
+            <a:r>
+              <a:rPr lang="da-DK" dirty="0"/>
+              <a:t>serialize the model, but what does it mean?</a:t>
+            </a:r>
+          </a:p>
+          <a:p>
+            <a:endParaRPr lang="da-DK" dirty="0"/>
+          </a:p>
+          <a:p>
+            <a:r>
+              <a:rPr lang="da-DK" dirty="0"/>
+              <a:t>Serilization essentially encodes all </a:t>
+            </a:r>
+            <a:r>
+              <a:rPr lang="en-US" dirty="0"/>
+              <a:t>modules methods, submodules, parameters, and attributes into a byte stream</a:t>
+            </a:r>
+          </a:p>
+          <a:p>
             <a:endParaRPr lang="en-US" dirty="0"/>
           </a:p>
-        </p:txBody>
-      </p:sp>
-      <p:sp>
-        <p:nvSpPr>
-          <p:cNvPr id="3" name="Content Placeholder 2">
-            <a:extLst>
-              <a:ext uri="{FF2B5EF4-FFF2-40B4-BE49-F238E27FC236}">
-                <a16:creationId xmlns:a16="http://schemas.microsoft.com/office/drawing/2014/main" id="{70023DBF-CEF2-4918-99DE-2F723CF447C8}"/>
-              </a:ext>
-            </a:extLst>
-          </p:cNvPr>
-          <p:cNvSpPr>
-            <a:spLocks noGrp="1"/>
-          </p:cNvSpPr>
-          <p:nvPr>
-            <p:ph idx="1"/>
-          </p:nvPr>
-        </p:nvSpPr>
-        <p:spPr/>
-        <p:txBody>
-          <a:bodyPr/>
-          <a:lstStyle/>
-          <a:p>
-            <a:endParaRPr lang="en-US"/>
+          <a:p>
+            <a:r>
+              <a:rPr lang="en-US" dirty="0"/>
+              <a:t>This makes the encoded model independent of python!</a:t>
+            </a:r>
+          </a:p>
+          <a:p>
+            <a:endParaRPr lang="en-US" dirty="0"/>
+          </a:p>
+          <a:p>
+            <a:r>
+              <a:rPr lang="da-DK" dirty="0"/>
+              <a:t>This is basically just ”pickling” and “unpickling”.</a:t>
+            </a:r>
           </a:p>
         </p:txBody>
       </p:sp>
@@ -4258,7 +4302,7 @@
           <p:cNvPr id="4" name="Date Placeholder 3">
             <a:extLst>
               <a:ext uri="{FF2B5EF4-FFF2-40B4-BE49-F238E27FC236}">
-                <a16:creationId xmlns:a16="http://schemas.microsoft.com/office/drawing/2014/main" id="{FC487A2A-F73C-4228-9E36-57D45890B252}"/>
+                <a16:creationId xmlns:a16="http://schemas.microsoft.com/office/drawing/2014/main" id="{055AA58C-6AD8-4E3B-8D69-E714E8B554A6}"/>
               </a:ext>
             </a:extLst>
           </p:cNvPr>
@@ -4276,7 +4320,7 @@
           <a:p>
             <a:fld id="{019E29B9-5584-4737-9C98-1B926378C778}" type="datetime1">
               <a:rPr lang="en-US" smtClean="0"/>
-              <a:t>1/12/2022</a:t>
+              <a:t>1/17/2022</a:t>
             </a:fld>
             <a:endParaRPr lang="da-DK"/>
           </a:p>
@@ -4287,7 +4331,7 @@
           <p:cNvPr id="5" name="Footer Placeholder 4">
             <a:extLst>
               <a:ext uri="{FF2B5EF4-FFF2-40B4-BE49-F238E27FC236}">
-                <a16:creationId xmlns:a16="http://schemas.microsoft.com/office/drawing/2014/main" id="{FD688A58-52BD-4290-A28D-13ED73337C6E}"/>
+                <a16:creationId xmlns:a16="http://schemas.microsoft.com/office/drawing/2014/main" id="{54077DDF-8BE6-4720-82DC-C0986BD28D4E}"/>
               </a:ext>
             </a:extLst>
           </p:cNvPr>
@@ -4315,7 +4359,7 @@
           <p:cNvPr id="6" name="Slide Number Placeholder 5">
             <a:extLst>
               <a:ext uri="{FF2B5EF4-FFF2-40B4-BE49-F238E27FC236}">
-                <a16:creationId xmlns:a16="http://schemas.microsoft.com/office/drawing/2014/main" id="{021CA62D-A339-4384-9BBD-6B80B7358A30}"/>
+                <a16:creationId xmlns:a16="http://schemas.microsoft.com/office/drawing/2014/main" id="{0B019C9A-5943-499B-97F1-2F2A48B25D82}"/>
               </a:ext>
             </a:extLst>
           </p:cNvPr>
@@ -4342,7 +4386,7 @@
     </p:spTree>
     <p:extLst>
       <p:ext uri="{BB962C8B-B14F-4D97-AF65-F5344CB8AC3E}">
-        <p14:creationId xmlns:p14="http://schemas.microsoft.com/office/powerpoint/2010/main" val="4206527815"/>
+        <p14:creationId xmlns:p14="http://schemas.microsoft.com/office/powerpoint/2010/main" val="2559464000"/>
       </p:ext>
     </p:extLst>
   </p:cSld>
@@ -4374,7 +4418,7 @@
           <p:cNvPr id="2" name="Title 1">
             <a:extLst>
               <a:ext uri="{FF2B5EF4-FFF2-40B4-BE49-F238E27FC236}">
-                <a16:creationId xmlns:a16="http://schemas.microsoft.com/office/drawing/2014/main" id="{0372F9EE-8F3D-411B-8DF3-ADAB14AC0658}"/>
+                <a16:creationId xmlns:a16="http://schemas.microsoft.com/office/drawing/2014/main" id="{97188C28-237D-4818-ADD0-698D7DAEBC5B}"/>
               </a:ext>
             </a:extLst>
           </p:cNvPr>
@@ -4392,7 +4436,7 @@
           <a:p>
             <a:r>
               <a:rPr lang="da-DK" dirty="0"/>
-              <a:t>Meme of the day</a:t>
+              <a:t>Cloud functions</a:t>
             </a:r>
             <a:endParaRPr lang="en-US" dirty="0"/>
           </a:p>
@@ -4403,7 +4447,7 @@
           <p:cNvPr id="3" name="Content Placeholder 2">
             <a:extLst>
               <a:ext uri="{FF2B5EF4-FFF2-40B4-BE49-F238E27FC236}">
-                <a16:creationId xmlns:a16="http://schemas.microsoft.com/office/drawing/2014/main" id="{6AA95A85-B9E3-4051-A666-10DCBB3BD1EE}"/>
+                <a16:creationId xmlns:a16="http://schemas.microsoft.com/office/drawing/2014/main" id="{DE3D4940-B340-4FE7-BFEC-613B26FDE0D2}"/>
               </a:ext>
             </a:extLst>
           </p:cNvPr>
@@ -4414,12 +4458,28 @@
             <p:ph idx="1"/>
           </p:nvPr>
         </p:nvSpPr>
-        <p:spPr/>
-        <p:txBody>
-          <a:bodyPr/>
-          <a:lstStyle/>
-          <a:p>
-            <a:endParaRPr lang="en-US"/>
+        <p:spPr>
+          <a:xfrm>
+            <a:off x="668124" y="1309811"/>
+            <a:ext cx="3083351" cy="4833355"/>
+          </a:xfrm>
+        </p:spPr>
+        <p:txBody>
+          <a:bodyPr/>
+          <a:lstStyle/>
+          <a:p>
+            <a:pPr marL="0" indent="0">
+              <a:buNone/>
+            </a:pPr>
+            <a:r>
+              <a:rPr lang="da-DK" dirty="0"/>
+              <a:t>Simple one</a:t>
+            </a:r>
+            <a:r>
+              <a:rPr lang="en-US" dirty="0"/>
+              <a:t> script files for deployment</a:t>
+            </a:r>
+            <a:endParaRPr lang="da-DK" dirty="0"/>
           </a:p>
         </p:txBody>
       </p:sp>
@@ -4428,7 +4488,7 @@
           <p:cNvPr id="4" name="Date Placeholder 3">
             <a:extLst>
               <a:ext uri="{FF2B5EF4-FFF2-40B4-BE49-F238E27FC236}">
-                <a16:creationId xmlns:a16="http://schemas.microsoft.com/office/drawing/2014/main" id="{202EFFC0-ADEA-4AD1-AA34-FA93E91CCA45}"/>
+                <a16:creationId xmlns:a16="http://schemas.microsoft.com/office/drawing/2014/main" id="{6E9729CE-4328-4BD1-AB32-2B229ED2DA5F}"/>
               </a:ext>
             </a:extLst>
           </p:cNvPr>
@@ -4446,7 +4506,7 @@
           <a:p>
             <a:fld id="{019E29B9-5584-4737-9C98-1B926378C778}" type="datetime1">
               <a:rPr lang="en-US" smtClean="0"/>
-              <a:t>1/12/2022</a:t>
+              <a:t>1/17/2022</a:t>
             </a:fld>
             <a:endParaRPr lang="da-DK"/>
           </a:p>
@@ -4457,7 +4517,7 @@
           <p:cNvPr id="5" name="Footer Placeholder 4">
             <a:extLst>
               <a:ext uri="{FF2B5EF4-FFF2-40B4-BE49-F238E27FC236}">
-                <a16:creationId xmlns:a16="http://schemas.microsoft.com/office/drawing/2014/main" id="{5C845968-1EC2-4C0E-A5B3-F082EB674966}"/>
+                <a16:creationId xmlns:a16="http://schemas.microsoft.com/office/drawing/2014/main" id="{CEBAF4A4-058C-4F90-9A69-972700B01410}"/>
               </a:ext>
             </a:extLst>
           </p:cNvPr>
@@ -4485,7 +4545,7 @@
           <p:cNvPr id="6" name="Slide Number Placeholder 5">
             <a:extLst>
               <a:ext uri="{FF2B5EF4-FFF2-40B4-BE49-F238E27FC236}">
-                <a16:creationId xmlns:a16="http://schemas.microsoft.com/office/drawing/2014/main" id="{3E8FD6C2-3320-4407-9E27-EE85FFF7E51D}"/>
+                <a16:creationId xmlns:a16="http://schemas.microsoft.com/office/drawing/2014/main" id="{D5AF6253-9E48-44DF-A474-7293CE2E4E0C}"/>
               </a:ext>
             </a:extLst>
           </p:cNvPr>
@@ -4504,6 +4564,216 @@
             <a:fld id="{F6FEDE24-D50C-481B-A7B4-8AF13899101A}" type="slidenum">
               <a:rPr lang="da-DK" smtClean="0"/>
               <a:t>11</a:t>
+            </a:fld>
+            <a:endParaRPr lang="da-DK"/>
+          </a:p>
+        </p:txBody>
+      </p:sp>
+      <p:pic>
+        <p:nvPicPr>
+          <p:cNvPr id="8" name="Picture 7">
+            <a:extLst>
+              <a:ext uri="{FF2B5EF4-FFF2-40B4-BE49-F238E27FC236}">
+                <a16:creationId xmlns:a16="http://schemas.microsoft.com/office/drawing/2014/main" id="{D0A13490-3A76-4D3C-9BB0-8AFAF55DAFA4}"/>
+              </a:ext>
+            </a:extLst>
+          </p:cNvPr>
+          <p:cNvPicPr>
+            <a:picLocks noChangeAspect="1"/>
+          </p:cNvPicPr>
+          <p:nvPr/>
+        </p:nvPicPr>
+        <p:blipFill>
+          <a:blip r:embed="rId2"/>
+          <a:stretch>
+            <a:fillRect/>
+          </a:stretch>
+        </p:blipFill>
+        <p:spPr>
+          <a:xfrm>
+            <a:off x="3781791" y="1096627"/>
+            <a:ext cx="8267700" cy="4943475"/>
+          </a:xfrm>
+          <a:prstGeom prst="rect">
+            <a:avLst/>
+          </a:prstGeom>
+        </p:spPr>
+      </p:pic>
+    </p:spTree>
+    <p:extLst>
+      <p:ext uri="{BB962C8B-B14F-4D97-AF65-F5344CB8AC3E}">
+        <p14:creationId xmlns:p14="http://schemas.microsoft.com/office/powerpoint/2010/main" val="3828878610"/>
+      </p:ext>
+    </p:extLst>
+  </p:cSld>
+  <p:clrMapOvr>
+    <a:masterClrMapping/>
+  </p:clrMapOvr>
+</p:sld>
+</file>
+
+<file path=ppt/slides/slide12.xml><?xml version="1.0" encoding="utf-8"?>
+<p:sld xmlns:a="http://schemas.openxmlformats.org/drawingml/2006/main" xmlns:r="http://schemas.openxmlformats.org/officeDocument/2006/relationships" xmlns:p="http://schemas.openxmlformats.org/presentationml/2006/main">
+  <p:cSld>
+    <p:spTree>
+      <p:nvGrpSpPr>
+        <p:cNvPr id="1" name=""/>
+        <p:cNvGrpSpPr/>
+        <p:nvPr/>
+      </p:nvGrpSpPr>
+      <p:grpSpPr>
+        <a:xfrm>
+          <a:off x="0" y="0"/>
+          <a:ext cx="0" cy="0"/>
+          <a:chOff x="0" y="0"/>
+          <a:chExt cx="0" cy="0"/>
+        </a:xfrm>
+      </p:grpSpPr>
+      <p:sp>
+        <p:nvSpPr>
+          <p:cNvPr id="2" name="Title 1">
+            <a:extLst>
+              <a:ext uri="{FF2B5EF4-FFF2-40B4-BE49-F238E27FC236}">
+                <a16:creationId xmlns:a16="http://schemas.microsoft.com/office/drawing/2014/main" id="{0372F9EE-8F3D-411B-8DF3-ADAB14AC0658}"/>
+              </a:ext>
+            </a:extLst>
+          </p:cNvPr>
+          <p:cNvSpPr>
+            <a:spLocks noGrp="1"/>
+          </p:cNvSpPr>
+          <p:nvPr>
+            <p:ph type="title"/>
+          </p:nvPr>
+        </p:nvSpPr>
+        <p:spPr/>
+        <p:txBody>
+          <a:bodyPr/>
+          <a:lstStyle/>
+          <a:p>
+            <a:r>
+              <a:rPr lang="da-DK" dirty="0"/>
+              <a:t>Meme of the day</a:t>
+            </a:r>
+            <a:endParaRPr lang="en-US" dirty="0"/>
+          </a:p>
+        </p:txBody>
+      </p:sp>
+      <p:pic>
+        <p:nvPicPr>
+          <p:cNvPr id="8" name="Content Placeholder 7" descr="A group of people in clothing&#10;&#10;Description automatically generated with low confidence">
+            <a:extLst>
+              <a:ext uri="{FF2B5EF4-FFF2-40B4-BE49-F238E27FC236}">
+                <a16:creationId xmlns:a16="http://schemas.microsoft.com/office/drawing/2014/main" id="{CB95C96D-D084-4B6E-BEFC-15A3A4F81CD0}"/>
+              </a:ext>
+            </a:extLst>
+          </p:cNvPr>
+          <p:cNvPicPr>
+            <a:picLocks noGrp="1" noChangeAspect="1"/>
+          </p:cNvPicPr>
+          <p:nvPr>
+            <p:ph idx="1"/>
+          </p:nvPr>
+        </p:nvPicPr>
+        <p:blipFill>
+          <a:blip r:embed="rId2">
+            <a:extLst>
+              <a:ext uri="{28A0092B-C50C-407E-A947-70E740481C1C}">
+                <a14:useLocalDpi xmlns:a14="http://schemas.microsoft.com/office/drawing/2010/main" val="0"/>
+              </a:ext>
+            </a:extLst>
+          </a:blip>
+          <a:stretch>
+            <a:fillRect/>
+          </a:stretch>
+        </p:blipFill>
+        <p:spPr>
+          <a:xfrm>
+            <a:off x="3338975" y="871684"/>
+            <a:ext cx="5293710" cy="5484666"/>
+          </a:xfrm>
+        </p:spPr>
+      </p:pic>
+      <p:sp>
+        <p:nvSpPr>
+          <p:cNvPr id="4" name="Date Placeholder 3">
+            <a:extLst>
+              <a:ext uri="{FF2B5EF4-FFF2-40B4-BE49-F238E27FC236}">
+                <a16:creationId xmlns:a16="http://schemas.microsoft.com/office/drawing/2014/main" id="{202EFFC0-ADEA-4AD1-AA34-FA93E91CCA45}"/>
+              </a:ext>
+            </a:extLst>
+          </p:cNvPr>
+          <p:cNvSpPr>
+            <a:spLocks noGrp="1"/>
+          </p:cNvSpPr>
+          <p:nvPr>
+            <p:ph type="dt" sz="half" idx="10"/>
+          </p:nvPr>
+        </p:nvSpPr>
+        <p:spPr/>
+        <p:txBody>
+          <a:bodyPr/>
+          <a:lstStyle/>
+          <a:p>
+            <a:fld id="{019E29B9-5584-4737-9C98-1B926378C778}" type="datetime1">
+              <a:rPr lang="en-US" smtClean="0"/>
+              <a:t>1/17/2022</a:t>
+            </a:fld>
+            <a:endParaRPr lang="da-DK"/>
+          </a:p>
+        </p:txBody>
+      </p:sp>
+      <p:sp>
+        <p:nvSpPr>
+          <p:cNvPr id="5" name="Footer Placeholder 4">
+            <a:extLst>
+              <a:ext uri="{FF2B5EF4-FFF2-40B4-BE49-F238E27FC236}">
+                <a16:creationId xmlns:a16="http://schemas.microsoft.com/office/drawing/2014/main" id="{5C845968-1EC2-4C0E-A5B3-F082EB674966}"/>
+              </a:ext>
+            </a:extLst>
+          </p:cNvPr>
+          <p:cNvSpPr>
+            <a:spLocks noGrp="1"/>
+          </p:cNvSpPr>
+          <p:nvPr>
+            <p:ph type="ftr" sz="quarter" idx="11"/>
+          </p:nvPr>
+        </p:nvSpPr>
+        <p:spPr/>
+        <p:txBody>
+          <a:bodyPr/>
+          <a:lstStyle/>
+          <a:p>
+            <a:r>
+              <a:rPr lang="da-DK"/>
+              <a:t>Nicki Skafte Detlefsen</a:t>
+            </a:r>
+          </a:p>
+        </p:txBody>
+      </p:sp>
+      <p:sp>
+        <p:nvSpPr>
+          <p:cNvPr id="6" name="Slide Number Placeholder 5">
+            <a:extLst>
+              <a:ext uri="{FF2B5EF4-FFF2-40B4-BE49-F238E27FC236}">
+                <a16:creationId xmlns:a16="http://schemas.microsoft.com/office/drawing/2014/main" id="{3E8FD6C2-3320-4407-9E27-EE85FFF7E51D}"/>
+              </a:ext>
+            </a:extLst>
+          </p:cNvPr>
+          <p:cNvSpPr>
+            <a:spLocks noGrp="1"/>
+          </p:cNvSpPr>
+          <p:nvPr>
+            <p:ph type="sldNum" sz="quarter" idx="12"/>
+          </p:nvPr>
+        </p:nvSpPr>
+        <p:spPr/>
+        <p:txBody>
+          <a:bodyPr/>
+          <a:lstStyle/>
+          <a:p>
+            <a:fld id="{F6FEDE24-D50C-481B-A7B4-8AF13899101A}" type="slidenum">
+              <a:rPr lang="da-DK" smtClean="0"/>
+              <a:t>12</a:t>
             </a:fld>
             <a:endParaRPr lang="da-DK"/>
           </a:p>
@@ -4624,7 +4894,7 @@
           <a:p>
             <a:fld id="{019E29B9-5584-4737-9C98-1B926378C778}" type="datetime1">
               <a:rPr lang="en-US" smtClean="0"/>
-              <a:t>1/12/2022</a:t>
+              <a:t>1/17/2022</a:t>
             </a:fld>
             <a:endParaRPr lang="da-DK"/>
           </a:p>
@@ -4891,7 +5161,7 @@
           <a:p>
             <a:fld id="{019E29B9-5584-4737-9C98-1B926378C778}" type="datetime1">
               <a:rPr lang="en-US" smtClean="0"/>
-              <a:t>1/12/2022</a:t>
+              <a:t>1/17/2022</a:t>
             </a:fld>
             <a:endParaRPr lang="da-DK"/>
           </a:p>
@@ -5050,6 +5320,237 @@
 </file>
 
 <file path=ppt/slides/slide4.xml><?xml version="1.0" encoding="utf-8"?>
+<p:sld xmlns:a="http://schemas.openxmlformats.org/drawingml/2006/main" xmlns:r="http://schemas.openxmlformats.org/officeDocument/2006/relationships" xmlns:p="http://schemas.openxmlformats.org/presentationml/2006/main">
+  <p:cSld>
+    <p:spTree>
+      <p:nvGrpSpPr>
+        <p:cNvPr id="1" name=""/>
+        <p:cNvGrpSpPr/>
+        <p:nvPr/>
+      </p:nvGrpSpPr>
+      <p:grpSpPr>
+        <a:xfrm>
+          <a:off x="0" y="0"/>
+          <a:ext cx="0" cy="0"/>
+          <a:chOff x="0" y="0"/>
+          <a:chExt cx="0" cy="0"/>
+        </a:xfrm>
+      </p:grpSpPr>
+      <p:sp>
+        <p:nvSpPr>
+          <p:cNvPr id="2" name="Title 1">
+            <a:extLst>
+              <a:ext uri="{FF2B5EF4-FFF2-40B4-BE49-F238E27FC236}">
+                <a16:creationId xmlns:a16="http://schemas.microsoft.com/office/drawing/2014/main" id="{2B39CB8F-1D34-4065-838F-A0C2263AAF80}"/>
+              </a:ext>
+            </a:extLst>
+          </p:cNvPr>
+          <p:cNvSpPr>
+            <a:spLocks noGrp="1"/>
+          </p:cNvSpPr>
+          <p:nvPr>
+            <p:ph type="title"/>
+          </p:nvPr>
+        </p:nvSpPr>
+        <p:spPr/>
+        <p:txBody>
+          <a:bodyPr/>
+          <a:lstStyle/>
+          <a:p>
+            <a:r>
+              <a:rPr lang="da-DK" dirty="0"/>
+              <a:t>What do we want to deploy</a:t>
+            </a:r>
+            <a:endParaRPr lang="en-US" dirty="0"/>
+          </a:p>
+        </p:txBody>
+      </p:sp>
+      <p:sp>
+        <p:nvSpPr>
+          <p:cNvPr id="4" name="Date Placeholder 3">
+            <a:extLst>
+              <a:ext uri="{FF2B5EF4-FFF2-40B4-BE49-F238E27FC236}">
+                <a16:creationId xmlns:a16="http://schemas.microsoft.com/office/drawing/2014/main" id="{80B86254-72E7-44CB-88BB-5B7CB2A2AD0C}"/>
+              </a:ext>
+            </a:extLst>
+          </p:cNvPr>
+          <p:cNvSpPr>
+            <a:spLocks noGrp="1"/>
+          </p:cNvSpPr>
+          <p:nvPr>
+            <p:ph type="dt" sz="half" idx="10"/>
+          </p:nvPr>
+        </p:nvSpPr>
+        <p:spPr/>
+        <p:txBody>
+          <a:bodyPr/>
+          <a:lstStyle/>
+          <a:p>
+            <a:fld id="{019E29B9-5584-4737-9C98-1B926378C778}" type="datetime1">
+              <a:rPr lang="en-US" smtClean="0"/>
+              <a:t>1/17/2022</a:t>
+            </a:fld>
+            <a:endParaRPr lang="da-DK"/>
+          </a:p>
+        </p:txBody>
+      </p:sp>
+      <p:sp>
+        <p:nvSpPr>
+          <p:cNvPr id="5" name="Footer Placeholder 4">
+            <a:extLst>
+              <a:ext uri="{FF2B5EF4-FFF2-40B4-BE49-F238E27FC236}">
+                <a16:creationId xmlns:a16="http://schemas.microsoft.com/office/drawing/2014/main" id="{18F6F27E-6246-4C40-A956-B18661B64827}"/>
+              </a:ext>
+            </a:extLst>
+          </p:cNvPr>
+          <p:cNvSpPr>
+            <a:spLocks noGrp="1"/>
+          </p:cNvSpPr>
+          <p:nvPr>
+            <p:ph type="ftr" sz="quarter" idx="11"/>
+          </p:nvPr>
+        </p:nvSpPr>
+        <p:spPr/>
+        <p:txBody>
+          <a:bodyPr/>
+          <a:lstStyle/>
+          <a:p>
+            <a:r>
+              <a:rPr lang="da-DK"/>
+              <a:t>Nicki Skafte Detlefsen</a:t>
+            </a:r>
+          </a:p>
+        </p:txBody>
+      </p:sp>
+      <p:sp>
+        <p:nvSpPr>
+          <p:cNvPr id="6" name="Slide Number Placeholder 5">
+            <a:extLst>
+              <a:ext uri="{FF2B5EF4-FFF2-40B4-BE49-F238E27FC236}">
+                <a16:creationId xmlns:a16="http://schemas.microsoft.com/office/drawing/2014/main" id="{3ACA72DC-33C4-4D6B-AE4C-32BC63EDCAB0}"/>
+              </a:ext>
+            </a:extLst>
+          </p:cNvPr>
+          <p:cNvSpPr>
+            <a:spLocks noGrp="1"/>
+          </p:cNvSpPr>
+          <p:nvPr>
+            <p:ph type="sldNum" sz="quarter" idx="12"/>
+          </p:nvPr>
+        </p:nvSpPr>
+        <p:spPr/>
+        <p:txBody>
+          <a:bodyPr/>
+          <a:lstStyle/>
+          <a:p>
+            <a:fld id="{F6FEDE24-D50C-481B-A7B4-8AF13899101A}" type="slidenum">
+              <a:rPr lang="da-DK" smtClean="0"/>
+              <a:t>4</a:t>
+            </a:fld>
+            <a:endParaRPr lang="da-DK"/>
+          </a:p>
+        </p:txBody>
+      </p:sp>
+      <p:sp>
+        <p:nvSpPr>
+          <p:cNvPr id="10" name="Content Placeholder 9">
+            <a:extLst>
+              <a:ext uri="{FF2B5EF4-FFF2-40B4-BE49-F238E27FC236}">
+                <a16:creationId xmlns:a16="http://schemas.microsoft.com/office/drawing/2014/main" id="{C12EEF6E-45CD-46EA-9963-715E1A3141E6}"/>
+              </a:ext>
+            </a:extLst>
+          </p:cNvPr>
+          <p:cNvSpPr>
+            <a:spLocks noGrp="1"/>
+          </p:cNvSpPr>
+          <p:nvPr>
+            <p:ph idx="1"/>
+          </p:nvPr>
+        </p:nvSpPr>
+        <p:spPr>
+          <a:xfrm>
+            <a:off x="838200" y="1343608"/>
+            <a:ext cx="6494417" cy="4833355"/>
+          </a:xfrm>
+        </p:spPr>
+        <p:txBody>
+          <a:bodyPr/>
+          <a:lstStyle/>
+          <a:p>
+            <a:pPr marL="0" indent="0">
+              <a:buNone/>
+            </a:pPr>
+            <a:r>
+              <a:rPr lang="da-DK" dirty="0"/>
+              <a:t>In ML, </a:t>
+            </a:r>
+            <a:r>
+              <a:rPr lang="da-DK" i="1" dirty="0"/>
+              <a:t>inferencing </a:t>
+            </a:r>
+            <a:r>
+              <a:rPr lang="da-DK" dirty="0"/>
+              <a:t>refer to the use of a trained model to predict labels for new data on which the model has not been trained</a:t>
+            </a:r>
+          </a:p>
+          <a:p>
+            <a:pPr marL="0" indent="0">
+              <a:buNone/>
+            </a:pPr>
+            <a:endParaRPr lang="da-DK" dirty="0"/>
+          </a:p>
+        </p:txBody>
+      </p:sp>
+      <p:pic>
+        <p:nvPicPr>
+          <p:cNvPr id="15" name="Picture 14" descr="A screenshot of a phone&#10;&#10;Description automatically generated with low confidence">
+            <a:extLst>
+              <a:ext uri="{FF2B5EF4-FFF2-40B4-BE49-F238E27FC236}">
+                <a16:creationId xmlns:a16="http://schemas.microsoft.com/office/drawing/2014/main" id="{A3DF5E10-42C4-42BD-A0BE-FA5C1C132511}"/>
+              </a:ext>
+            </a:extLst>
+          </p:cNvPr>
+          <p:cNvPicPr>
+            <a:picLocks noChangeAspect="1"/>
+          </p:cNvPicPr>
+          <p:nvPr/>
+        </p:nvPicPr>
+        <p:blipFill>
+          <a:blip r:embed="rId2">
+            <a:extLst>
+              <a:ext uri="{28A0092B-C50C-407E-A947-70E740481C1C}">
+                <a14:useLocalDpi xmlns:a14="http://schemas.microsoft.com/office/drawing/2010/main" val="0"/>
+              </a:ext>
+            </a:extLst>
+          </a:blip>
+          <a:stretch>
+            <a:fillRect/>
+          </a:stretch>
+        </p:blipFill>
+        <p:spPr>
+          <a:xfrm>
+            <a:off x="8298174" y="1096627"/>
+            <a:ext cx="2533780" cy="4356324"/>
+          </a:xfrm>
+          <a:prstGeom prst="rect">
+            <a:avLst/>
+          </a:prstGeom>
+        </p:spPr>
+      </p:pic>
+    </p:spTree>
+    <p:extLst>
+      <p:ext uri="{BB962C8B-B14F-4D97-AF65-F5344CB8AC3E}">
+        <p14:creationId xmlns:p14="http://schemas.microsoft.com/office/powerpoint/2010/main" val="741726582"/>
+      </p:ext>
+    </p:extLst>
+  </p:cSld>
+  <p:clrMapOvr>
+    <a:masterClrMapping/>
+  </p:clrMapOvr>
+</p:sld>
+</file>
+
+<file path=ppt/slides/slide5.xml><?xml version="1.0" encoding="utf-8"?>
 <p:sld xmlns:a="http://schemas.openxmlformats.org/drawingml/2006/main" xmlns:r="http://schemas.openxmlformats.org/officeDocument/2006/relationships" xmlns:p="http://schemas.openxmlformats.org/presentationml/2006/main">
   <p:cSld>
     <p:spTree>
@@ -5305,7 +5806,7 @@
           <a:p>
             <a:fld id="{019E29B9-5584-4737-9C98-1B926378C778}" type="datetime1">
               <a:rPr lang="en-US" smtClean="0"/>
-              <a:t>1/12/2022</a:t>
+              <a:t>1/17/2022</a:t>
             </a:fld>
             <a:endParaRPr lang="da-DK"/>
           </a:p>
@@ -5362,7 +5863,7 @@
           <a:p>
             <a:fld id="{F6FEDE24-D50C-481B-A7B4-8AF13899101A}" type="slidenum">
               <a:rPr lang="da-DK" smtClean="0"/>
-              <a:t>4</a:t>
+              <a:t>5</a:t>
             </a:fld>
             <a:endParaRPr lang="da-DK"/>
           </a:p>
@@ -5381,7 +5882,7 @@
 </p:sld>
 </file>
 
-<file path=ppt/slides/slide5.xml><?xml version="1.0" encoding="utf-8"?>
+<file path=ppt/slides/slide6.xml><?xml version="1.0" encoding="utf-8"?>
 <p:sld xmlns:a="http://schemas.openxmlformats.org/drawingml/2006/main" xmlns:r="http://schemas.openxmlformats.org/officeDocument/2006/relationships" xmlns:p="http://schemas.openxmlformats.org/presentationml/2006/main">
   <p:cSld>
     <p:spTree>
@@ -5530,7 +6031,7 @@
           <a:p>
             <a:fld id="{019E29B9-5584-4737-9C98-1B926378C778}" type="datetime1">
               <a:rPr lang="en-US" smtClean="0"/>
-              <a:t>1/12/2022</a:t>
+              <a:t>1/17/2022</a:t>
             </a:fld>
             <a:endParaRPr lang="da-DK" dirty="0"/>
           </a:p>
@@ -5587,7 +6088,7 @@
           <a:p>
             <a:fld id="{F6FEDE24-D50C-481B-A7B4-8AF13899101A}" type="slidenum">
               <a:rPr lang="da-DK" smtClean="0"/>
-              <a:t>5</a:t>
+              <a:t>6</a:t>
             </a:fld>
             <a:endParaRPr lang="da-DK"/>
           </a:p>
@@ -5636,219 +6137,6 @@
 </p:sld>
 </file>
 
-<file path=ppt/slides/slide6.xml><?xml version="1.0" encoding="utf-8"?>
-<p:sld xmlns:a="http://schemas.openxmlformats.org/drawingml/2006/main" xmlns:r="http://schemas.openxmlformats.org/officeDocument/2006/relationships" xmlns:p="http://schemas.openxmlformats.org/presentationml/2006/main">
-  <p:cSld>
-    <p:spTree>
-      <p:nvGrpSpPr>
-        <p:cNvPr id="1" name=""/>
-        <p:cNvGrpSpPr/>
-        <p:nvPr/>
-      </p:nvGrpSpPr>
-      <p:grpSpPr>
-        <a:xfrm>
-          <a:off x="0" y="0"/>
-          <a:ext cx="0" cy="0"/>
-          <a:chOff x="0" y="0"/>
-          <a:chExt cx="0" cy="0"/>
-        </a:xfrm>
-      </p:grpSpPr>
-      <p:sp>
-        <p:nvSpPr>
-          <p:cNvPr id="2" name="Title 1">
-            <a:extLst>
-              <a:ext uri="{FF2B5EF4-FFF2-40B4-BE49-F238E27FC236}">
-                <a16:creationId xmlns:a16="http://schemas.microsoft.com/office/drawing/2014/main" id="{26620170-F212-41EC-BBF0-1179E9707C33}"/>
-              </a:ext>
-            </a:extLst>
-          </p:cNvPr>
-          <p:cNvSpPr>
-            <a:spLocks noGrp="1"/>
-          </p:cNvSpPr>
-          <p:nvPr>
-            <p:ph type="title"/>
-          </p:nvPr>
-        </p:nvSpPr>
-        <p:spPr>
-          <a:xfrm>
-            <a:off x="838200" y="0"/>
-            <a:ext cx="10515600" cy="1325563"/>
-          </a:xfrm>
-        </p:spPr>
-        <p:txBody>
-          <a:bodyPr/>
-          <a:lstStyle/>
-          <a:p>
-            <a:r>
-              <a:rPr lang="da-DK" dirty="0"/>
-              <a:t>What are the challenges with Pytorch in production</a:t>
-            </a:r>
-          </a:p>
-        </p:txBody>
-      </p:sp>
-      <p:sp>
-        <p:nvSpPr>
-          <p:cNvPr id="3" name="Content Placeholder 2">
-            <a:extLst>
-              <a:ext uri="{FF2B5EF4-FFF2-40B4-BE49-F238E27FC236}">
-                <a16:creationId xmlns:a16="http://schemas.microsoft.com/office/drawing/2014/main" id="{EB573C72-3C94-4AA0-AB0C-E0203DB5CCC8}"/>
-              </a:ext>
-            </a:extLst>
-          </p:cNvPr>
-          <p:cNvSpPr>
-            <a:spLocks noGrp="1"/>
-          </p:cNvSpPr>
-          <p:nvPr>
-            <p:ph idx="1"/>
-          </p:nvPr>
-        </p:nvSpPr>
-        <p:spPr/>
-        <p:txBody>
-          <a:bodyPr/>
-          <a:lstStyle/>
-          <a:p>
-            <a:endParaRPr lang="da-DK" dirty="0"/>
-          </a:p>
-          <a:p>
-            <a:r>
-              <a:rPr lang="da-DK" dirty="0"/>
-              <a:t>Pytorch is a dynamic framework (uses a dynamic graph)</a:t>
-            </a:r>
-          </a:p>
-          <a:p>
-            <a:pPr lvl="1"/>
-            <a:r>
-              <a:rPr lang="da-DK" dirty="0"/>
-              <a:t>This is not great in production as we need to know sizes etc. for compilation and optimization</a:t>
-            </a:r>
-          </a:p>
-          <a:p>
-            <a:endParaRPr lang="da-DK" dirty="0"/>
-          </a:p>
-          <a:p>
-            <a:r>
-              <a:rPr lang="da-DK" dirty="0"/>
-              <a:t>Why not use a static framework (Tensorflow 1.x, Caffe2 etc.)?</a:t>
-            </a:r>
-          </a:p>
-          <a:p>
-            <a:pPr lvl="1"/>
-            <a:r>
-              <a:rPr lang="da-DK" dirty="0"/>
-              <a:t>Do you really want to port all your work?</a:t>
-            </a:r>
-          </a:p>
-          <a:p>
-            <a:pPr lvl="1"/>
-            <a:endParaRPr lang="da-DK" dirty="0"/>
-          </a:p>
-          <a:p>
-            <a:r>
-              <a:rPr lang="da-DK" dirty="0"/>
-              <a:t>What can we do to solve this?</a:t>
-            </a:r>
-          </a:p>
-        </p:txBody>
-      </p:sp>
-      <p:sp>
-        <p:nvSpPr>
-          <p:cNvPr id="4" name="Date Placeholder 3">
-            <a:extLst>
-              <a:ext uri="{FF2B5EF4-FFF2-40B4-BE49-F238E27FC236}">
-                <a16:creationId xmlns:a16="http://schemas.microsoft.com/office/drawing/2014/main" id="{FAFF879A-02DB-46FE-96A6-56BE962BDB77}"/>
-              </a:ext>
-            </a:extLst>
-          </p:cNvPr>
-          <p:cNvSpPr>
-            <a:spLocks noGrp="1"/>
-          </p:cNvSpPr>
-          <p:nvPr>
-            <p:ph type="dt" sz="half" idx="10"/>
-          </p:nvPr>
-        </p:nvSpPr>
-        <p:spPr/>
-        <p:txBody>
-          <a:bodyPr/>
-          <a:lstStyle/>
-          <a:p>
-            <a:fld id="{019E29B9-5584-4737-9C98-1B926378C778}" type="datetime1">
-              <a:rPr lang="en-US" smtClean="0"/>
-              <a:t>1/12/2022</a:t>
-            </a:fld>
-            <a:endParaRPr lang="da-DK"/>
-          </a:p>
-        </p:txBody>
-      </p:sp>
-      <p:sp>
-        <p:nvSpPr>
-          <p:cNvPr id="5" name="Footer Placeholder 4">
-            <a:extLst>
-              <a:ext uri="{FF2B5EF4-FFF2-40B4-BE49-F238E27FC236}">
-                <a16:creationId xmlns:a16="http://schemas.microsoft.com/office/drawing/2014/main" id="{D017D227-6D7A-4C83-B900-19A10749A412}"/>
-              </a:ext>
-            </a:extLst>
-          </p:cNvPr>
-          <p:cNvSpPr>
-            <a:spLocks noGrp="1"/>
-          </p:cNvSpPr>
-          <p:nvPr>
-            <p:ph type="ftr" sz="quarter" idx="11"/>
-          </p:nvPr>
-        </p:nvSpPr>
-        <p:spPr/>
-        <p:txBody>
-          <a:bodyPr/>
-          <a:lstStyle/>
-          <a:p>
-            <a:r>
-              <a:rPr lang="da-DK"/>
-              <a:t>Nicki Skafte Detlefsen</a:t>
-            </a:r>
-          </a:p>
-        </p:txBody>
-      </p:sp>
-      <p:sp>
-        <p:nvSpPr>
-          <p:cNvPr id="6" name="Slide Number Placeholder 5">
-            <a:extLst>
-              <a:ext uri="{FF2B5EF4-FFF2-40B4-BE49-F238E27FC236}">
-                <a16:creationId xmlns:a16="http://schemas.microsoft.com/office/drawing/2014/main" id="{3ABDB98C-01F5-4A01-A2B2-88383B881833}"/>
-              </a:ext>
-            </a:extLst>
-          </p:cNvPr>
-          <p:cNvSpPr>
-            <a:spLocks noGrp="1"/>
-          </p:cNvSpPr>
-          <p:nvPr>
-            <p:ph type="sldNum" sz="quarter" idx="12"/>
-          </p:nvPr>
-        </p:nvSpPr>
-        <p:spPr/>
-        <p:txBody>
-          <a:bodyPr/>
-          <a:lstStyle/>
-          <a:p>
-            <a:fld id="{F6FEDE24-D50C-481B-A7B4-8AF13899101A}" type="slidenum">
-              <a:rPr lang="da-DK" smtClean="0"/>
-              <a:t>6</a:t>
-            </a:fld>
-            <a:endParaRPr lang="da-DK"/>
-          </a:p>
-        </p:txBody>
-      </p:sp>
-    </p:spTree>
-    <p:extLst>
-      <p:ext uri="{BB962C8B-B14F-4D97-AF65-F5344CB8AC3E}">
-        <p14:creationId xmlns:p14="http://schemas.microsoft.com/office/powerpoint/2010/main" val="39229472"/>
-      </p:ext>
-    </p:extLst>
-  </p:cSld>
-  <p:clrMapOvr>
-    <a:masterClrMapping/>
-  </p:clrMapOvr>
-</p:sld>
-</file>
-
 <file path=ppt/slides/slide7.xml><?xml version="1.0" encoding="utf-8"?>
 <p:sld xmlns:a="http://schemas.openxmlformats.org/drawingml/2006/main" xmlns:r="http://schemas.openxmlformats.org/officeDocument/2006/relationships" xmlns:p="http://schemas.openxmlformats.org/presentationml/2006/main">
   <p:cSld>
@@ -5871,7 +6159,7 @@
           <p:cNvPr id="2" name="Title 1">
             <a:extLst>
               <a:ext uri="{FF2B5EF4-FFF2-40B4-BE49-F238E27FC236}">
-                <a16:creationId xmlns:a16="http://schemas.microsoft.com/office/drawing/2014/main" id="{CFB6F646-5CDF-4C24-9D09-3185F1EA1B99}"/>
+                <a16:creationId xmlns:a16="http://schemas.microsoft.com/office/drawing/2014/main" id="{610C379F-4E72-4885-9167-6543FB275699}"/>
               </a:ext>
             </a:extLst>
           </p:cNvPr>
@@ -5888,34 +6176,10 @@
           <a:lstStyle/>
           <a:p>
             <a:r>
-              <a:rPr lang="da-DK" dirty="0"/>
-              <a:t>Convert to script mode!</a:t>
-            </a:r>
-          </a:p>
-        </p:txBody>
-      </p:sp>
-      <p:sp>
-        <p:nvSpPr>
-          <p:cNvPr id="3" name="Content Placeholder 2">
-            <a:extLst>
-              <a:ext uri="{FF2B5EF4-FFF2-40B4-BE49-F238E27FC236}">
-                <a16:creationId xmlns:a16="http://schemas.microsoft.com/office/drawing/2014/main" id="{65895965-B3E9-43FA-BC76-52F8E2E7783C}"/>
-              </a:ext>
-            </a:extLst>
-          </p:cNvPr>
-          <p:cNvSpPr>
-            <a:spLocks noGrp="1"/>
-          </p:cNvSpPr>
-          <p:nvPr>
-            <p:ph idx="1"/>
-          </p:nvPr>
-        </p:nvSpPr>
-        <p:spPr/>
-        <p:txBody>
-          <a:bodyPr/>
-          <a:lstStyle/>
-          <a:p>
-            <a:endParaRPr lang="da-DK"/>
+              <a:rPr lang="da-DK"/>
+              <a:t>Choosing the right service</a:t>
+            </a:r>
+            <a:endParaRPr lang="en-US"/>
           </a:p>
         </p:txBody>
       </p:sp>
@@ -5924,7 +6188,7 @@
           <p:cNvPr id="4" name="Date Placeholder 3">
             <a:extLst>
               <a:ext uri="{FF2B5EF4-FFF2-40B4-BE49-F238E27FC236}">
-                <a16:creationId xmlns:a16="http://schemas.microsoft.com/office/drawing/2014/main" id="{93EE545D-4724-4759-9936-944E9F3C6CED}"/>
+                <a16:creationId xmlns:a16="http://schemas.microsoft.com/office/drawing/2014/main" id="{E2DAB19A-1C8C-4138-8A40-707E7F39B29E}"/>
               </a:ext>
             </a:extLst>
           </p:cNvPr>
@@ -5942,7 +6206,7 @@
           <a:p>
             <a:fld id="{019E29B9-5584-4737-9C98-1B926378C778}" type="datetime1">
               <a:rPr lang="en-US" smtClean="0"/>
-              <a:t>1/12/2022</a:t>
+              <a:t>1/17/2022</a:t>
             </a:fld>
             <a:endParaRPr lang="da-DK"/>
           </a:p>
@@ -5953,7 +6217,7 @@
           <p:cNvPr id="5" name="Footer Placeholder 4">
             <a:extLst>
               <a:ext uri="{FF2B5EF4-FFF2-40B4-BE49-F238E27FC236}">
-                <a16:creationId xmlns:a16="http://schemas.microsoft.com/office/drawing/2014/main" id="{76249C13-6DF2-4E5A-9819-D7C4D02914FB}"/>
+                <a16:creationId xmlns:a16="http://schemas.microsoft.com/office/drawing/2014/main" id="{9B4CA600-0266-4478-9626-AE30D5E6C7FE}"/>
               </a:ext>
             </a:extLst>
           </p:cNvPr>
@@ -5981,7 +6245,7 @@
           <p:cNvPr id="6" name="Slide Number Placeholder 5">
             <a:extLst>
               <a:ext uri="{FF2B5EF4-FFF2-40B4-BE49-F238E27FC236}">
-                <a16:creationId xmlns:a16="http://schemas.microsoft.com/office/drawing/2014/main" id="{D75F4907-290A-46CD-AAC4-2563D5F62948}"/>
+                <a16:creationId xmlns:a16="http://schemas.microsoft.com/office/drawing/2014/main" id="{8FF077F5-61E2-4B21-A20E-E8EDF51041B6}"/>
               </a:ext>
             </a:extLst>
           </p:cNvPr>
@@ -6000,6 +6264,1176 @@
             <a:fld id="{F6FEDE24-D50C-481B-A7B4-8AF13899101A}" type="slidenum">
               <a:rPr lang="da-DK" smtClean="0"/>
               <a:t>7</a:t>
+            </a:fld>
+            <a:endParaRPr lang="da-DK"/>
+          </a:p>
+        </p:txBody>
+      </p:sp>
+      <p:sp>
+        <p:nvSpPr>
+          <p:cNvPr id="8" name="TextBox 7">
+            <a:extLst>
+              <a:ext uri="{FF2B5EF4-FFF2-40B4-BE49-F238E27FC236}">
+                <a16:creationId xmlns:a16="http://schemas.microsoft.com/office/drawing/2014/main" id="{54EA13E9-874B-4CC4-9A22-914D3816FE04}"/>
+              </a:ext>
+            </a:extLst>
+          </p:cNvPr>
+          <p:cNvSpPr txBox="1"/>
+          <p:nvPr/>
+        </p:nvSpPr>
+        <p:spPr>
+          <a:xfrm>
+            <a:off x="838200" y="3181196"/>
+            <a:ext cx="1783080" cy="646331"/>
+          </a:xfrm>
+          <a:prstGeom prst="rect">
+            <a:avLst/>
+          </a:prstGeom>
+          <a:ln w="38100"/>
+        </p:spPr>
+        <p:style>
+          <a:lnRef idx="2">
+            <a:schemeClr val="accent1"/>
+          </a:lnRef>
+          <a:fillRef idx="1">
+            <a:schemeClr val="lt1"/>
+          </a:fillRef>
+          <a:effectRef idx="0">
+            <a:schemeClr val="accent1"/>
+          </a:effectRef>
+          <a:fontRef idx="minor">
+            <a:schemeClr val="dk1"/>
+          </a:fontRef>
+        </p:style>
+        <p:txBody>
+          <a:bodyPr wrap="square" rtlCol="0">
+            <a:spAutoFit/>
+          </a:bodyPr>
+          <a:lstStyle/>
+          <a:p>
+            <a:r>
+              <a:rPr lang="da-DK" dirty="0"/>
+              <a:t>First time deploying?</a:t>
+            </a:r>
+            <a:endParaRPr lang="en-US" dirty="0"/>
+          </a:p>
+        </p:txBody>
+      </p:sp>
+      <p:sp>
+        <p:nvSpPr>
+          <p:cNvPr id="13" name="TextBox 12">
+            <a:extLst>
+              <a:ext uri="{FF2B5EF4-FFF2-40B4-BE49-F238E27FC236}">
+                <a16:creationId xmlns:a16="http://schemas.microsoft.com/office/drawing/2014/main" id="{0858E1D8-8E7A-41F2-AAEA-CD3E6446220A}"/>
+              </a:ext>
+            </a:extLst>
+          </p:cNvPr>
+          <p:cNvSpPr txBox="1"/>
+          <p:nvPr/>
+        </p:nvSpPr>
+        <p:spPr>
+          <a:xfrm>
+            <a:off x="3028407" y="2477588"/>
+            <a:ext cx="1783080" cy="646331"/>
+          </a:xfrm>
+          <a:prstGeom prst="rect">
+            <a:avLst/>
+          </a:prstGeom>
+          <a:ln w="38100"/>
+        </p:spPr>
+        <p:style>
+          <a:lnRef idx="2">
+            <a:schemeClr val="accent1"/>
+          </a:lnRef>
+          <a:fillRef idx="1">
+            <a:schemeClr val="lt1"/>
+          </a:fillRef>
+          <a:effectRef idx="0">
+            <a:schemeClr val="accent1"/>
+          </a:effectRef>
+          <a:fontRef idx="minor">
+            <a:schemeClr val="dk1"/>
+          </a:fontRef>
+        </p:style>
+        <p:txBody>
+          <a:bodyPr wrap="square" rtlCol="0">
+            <a:spAutoFit/>
+          </a:bodyPr>
+          <a:lstStyle/>
+          <a:p>
+            <a:r>
+              <a:rPr lang="da-DK" dirty="0"/>
+              <a:t>Yes: Local deployment</a:t>
+            </a:r>
+            <a:endParaRPr lang="en-US" dirty="0"/>
+          </a:p>
+        </p:txBody>
+      </p:sp>
+      <p:sp>
+        <p:nvSpPr>
+          <p:cNvPr id="14" name="TextBox 13">
+            <a:extLst>
+              <a:ext uri="{FF2B5EF4-FFF2-40B4-BE49-F238E27FC236}">
+                <a16:creationId xmlns:a16="http://schemas.microsoft.com/office/drawing/2014/main" id="{9F1DC67E-1EE4-4F89-9A5E-6F1BD86CB03C}"/>
+              </a:ext>
+            </a:extLst>
+          </p:cNvPr>
+          <p:cNvSpPr txBox="1"/>
+          <p:nvPr/>
+        </p:nvSpPr>
+        <p:spPr>
+          <a:xfrm>
+            <a:off x="3028407" y="3910148"/>
+            <a:ext cx="1783080" cy="1200329"/>
+          </a:xfrm>
+          <a:prstGeom prst="rect">
+            <a:avLst/>
+          </a:prstGeom>
+          <a:ln w="38100"/>
+        </p:spPr>
+        <p:style>
+          <a:lnRef idx="2">
+            <a:schemeClr val="accent1"/>
+          </a:lnRef>
+          <a:fillRef idx="1">
+            <a:schemeClr val="lt1"/>
+          </a:fillRef>
+          <a:effectRef idx="0">
+            <a:schemeClr val="accent1"/>
+          </a:effectRef>
+          <a:fontRef idx="minor">
+            <a:schemeClr val="dk1"/>
+          </a:fontRef>
+        </p:style>
+        <p:txBody>
+          <a:bodyPr wrap="square" rtlCol="0">
+            <a:spAutoFit/>
+          </a:bodyPr>
+          <a:lstStyle/>
+          <a:p>
+            <a:r>
+              <a:rPr lang="da-DK" dirty="0"/>
+              <a:t>No: Are you prioritizing low latency or throughput?</a:t>
+            </a:r>
+            <a:endParaRPr lang="en-US" dirty="0"/>
+          </a:p>
+        </p:txBody>
+      </p:sp>
+      <p:sp>
+        <p:nvSpPr>
+          <p:cNvPr id="15" name="TextBox 14">
+            <a:extLst>
+              <a:ext uri="{FF2B5EF4-FFF2-40B4-BE49-F238E27FC236}">
+                <a16:creationId xmlns:a16="http://schemas.microsoft.com/office/drawing/2014/main" id="{A8B29FF4-0DE0-44EC-8EB1-9F5E9817D71B}"/>
+              </a:ext>
+            </a:extLst>
+          </p:cNvPr>
+          <p:cNvSpPr txBox="1"/>
+          <p:nvPr/>
+        </p:nvSpPr>
+        <p:spPr>
+          <a:xfrm>
+            <a:off x="5204460" y="3365862"/>
+            <a:ext cx="1783080" cy="923330"/>
+          </a:xfrm>
+          <a:prstGeom prst="rect">
+            <a:avLst/>
+          </a:prstGeom>
+          <a:ln w="38100"/>
+        </p:spPr>
+        <p:style>
+          <a:lnRef idx="2">
+            <a:schemeClr val="accent1"/>
+          </a:lnRef>
+          <a:fillRef idx="1">
+            <a:schemeClr val="lt1"/>
+          </a:fillRef>
+          <a:effectRef idx="0">
+            <a:schemeClr val="accent1"/>
+          </a:effectRef>
+          <a:fontRef idx="minor">
+            <a:schemeClr val="dk1"/>
+          </a:fontRef>
+        </p:style>
+        <p:txBody>
+          <a:bodyPr wrap="square" rtlCol="0">
+            <a:spAutoFit/>
+          </a:bodyPr>
+          <a:lstStyle/>
+          <a:p>
+            <a:r>
+              <a:rPr lang="da-DK" dirty="0"/>
+              <a:t>Latency: high availability or minimal cost?</a:t>
+            </a:r>
+            <a:endParaRPr lang="en-US" dirty="0"/>
+          </a:p>
+        </p:txBody>
+      </p:sp>
+      <p:sp>
+        <p:nvSpPr>
+          <p:cNvPr id="16" name="TextBox 15">
+            <a:extLst>
+              <a:ext uri="{FF2B5EF4-FFF2-40B4-BE49-F238E27FC236}">
+                <a16:creationId xmlns:a16="http://schemas.microsoft.com/office/drawing/2014/main" id="{0A7DC358-A327-4CF2-BAF0-AE7694C6D84B}"/>
+              </a:ext>
+            </a:extLst>
+          </p:cNvPr>
+          <p:cNvSpPr txBox="1"/>
+          <p:nvPr/>
+        </p:nvSpPr>
+        <p:spPr>
+          <a:xfrm>
+            <a:off x="5204460" y="4701415"/>
+            <a:ext cx="1783080" cy="646331"/>
+          </a:xfrm>
+          <a:prstGeom prst="rect">
+            <a:avLst/>
+          </a:prstGeom>
+          <a:ln w="38100"/>
+        </p:spPr>
+        <p:style>
+          <a:lnRef idx="2">
+            <a:schemeClr val="accent1"/>
+          </a:lnRef>
+          <a:fillRef idx="1">
+            <a:schemeClr val="lt1"/>
+          </a:fillRef>
+          <a:effectRef idx="0">
+            <a:schemeClr val="accent1"/>
+          </a:effectRef>
+          <a:fontRef idx="minor">
+            <a:schemeClr val="dk1"/>
+          </a:fontRef>
+        </p:style>
+        <p:txBody>
+          <a:bodyPr wrap="square" rtlCol="0">
+            <a:spAutoFit/>
+          </a:bodyPr>
+          <a:lstStyle/>
+          <a:p>
+            <a:r>
+              <a:rPr lang="da-DK" dirty="0"/>
+              <a:t>Throughput: use batch inference</a:t>
+            </a:r>
+            <a:endParaRPr lang="en-US" dirty="0"/>
+          </a:p>
+        </p:txBody>
+      </p:sp>
+      <p:sp>
+        <p:nvSpPr>
+          <p:cNvPr id="17" name="TextBox 16">
+            <a:extLst>
+              <a:ext uri="{FF2B5EF4-FFF2-40B4-BE49-F238E27FC236}">
+                <a16:creationId xmlns:a16="http://schemas.microsoft.com/office/drawing/2014/main" id="{415F6B06-748B-4B7F-BD9B-99A97BFA02C7}"/>
+              </a:ext>
+            </a:extLst>
+          </p:cNvPr>
+          <p:cNvSpPr txBox="1"/>
+          <p:nvPr/>
+        </p:nvSpPr>
+        <p:spPr>
+          <a:xfrm>
+            <a:off x="7380513" y="2884714"/>
+            <a:ext cx="1783080" cy="923330"/>
+          </a:xfrm>
+          <a:prstGeom prst="rect">
+            <a:avLst/>
+          </a:prstGeom>
+          <a:ln w="38100"/>
+        </p:spPr>
+        <p:style>
+          <a:lnRef idx="2">
+            <a:schemeClr val="accent1"/>
+          </a:lnRef>
+          <a:fillRef idx="1">
+            <a:schemeClr val="lt1"/>
+          </a:fillRef>
+          <a:effectRef idx="0">
+            <a:schemeClr val="accent1"/>
+          </a:effectRef>
+          <a:fontRef idx="minor">
+            <a:schemeClr val="dk1"/>
+          </a:fontRef>
+        </p:style>
+        <p:txBody>
+          <a:bodyPr wrap="square" rtlCol="0">
+            <a:spAutoFit/>
+          </a:bodyPr>
+          <a:lstStyle/>
+          <a:p>
+            <a:r>
+              <a:rPr lang="da-DK" dirty="0"/>
+              <a:t>High availability: what kind of workload?</a:t>
+            </a:r>
+            <a:endParaRPr lang="en-US" dirty="0"/>
+          </a:p>
+        </p:txBody>
+      </p:sp>
+      <p:sp>
+        <p:nvSpPr>
+          <p:cNvPr id="18" name="TextBox 17">
+            <a:extLst>
+              <a:ext uri="{FF2B5EF4-FFF2-40B4-BE49-F238E27FC236}">
+                <a16:creationId xmlns:a16="http://schemas.microsoft.com/office/drawing/2014/main" id="{FA05923F-B341-46CD-80F1-6370FB57B33A}"/>
+              </a:ext>
+            </a:extLst>
+          </p:cNvPr>
+          <p:cNvSpPr txBox="1"/>
+          <p:nvPr/>
+        </p:nvSpPr>
+        <p:spPr>
+          <a:xfrm>
+            <a:off x="7374528" y="4220267"/>
+            <a:ext cx="1783080" cy="923330"/>
+          </a:xfrm>
+          <a:prstGeom prst="rect">
+            <a:avLst/>
+          </a:prstGeom>
+          <a:ln w="38100"/>
+        </p:spPr>
+        <p:style>
+          <a:lnRef idx="2">
+            <a:schemeClr val="accent1"/>
+          </a:lnRef>
+          <a:fillRef idx="1">
+            <a:schemeClr val="lt1"/>
+          </a:fillRef>
+          <a:effectRef idx="0">
+            <a:schemeClr val="accent1"/>
+          </a:effectRef>
+          <a:fontRef idx="minor">
+            <a:schemeClr val="dk1"/>
+          </a:fontRef>
+        </p:style>
+        <p:txBody>
+          <a:bodyPr wrap="square" rtlCol="0">
+            <a:spAutoFit/>
+          </a:bodyPr>
+          <a:lstStyle/>
+          <a:p>
+            <a:r>
+              <a:rPr lang="da-DK" dirty="0"/>
+              <a:t>Low cost: Cloud Run or Cloud Functions </a:t>
+            </a:r>
+            <a:endParaRPr lang="en-US" dirty="0"/>
+          </a:p>
+        </p:txBody>
+      </p:sp>
+      <p:sp>
+        <p:nvSpPr>
+          <p:cNvPr id="19" name="TextBox 18">
+            <a:extLst>
+              <a:ext uri="{FF2B5EF4-FFF2-40B4-BE49-F238E27FC236}">
+                <a16:creationId xmlns:a16="http://schemas.microsoft.com/office/drawing/2014/main" id="{C8B18448-4864-4A0B-B4B8-0E0D30253BEC}"/>
+              </a:ext>
+            </a:extLst>
+          </p:cNvPr>
+          <p:cNvSpPr txBox="1"/>
+          <p:nvPr/>
+        </p:nvSpPr>
+        <p:spPr>
+          <a:xfrm>
+            <a:off x="9570721" y="2346959"/>
+            <a:ext cx="1968136" cy="1200329"/>
+          </a:xfrm>
+          <a:prstGeom prst="rect">
+            <a:avLst/>
+          </a:prstGeom>
+          <a:ln w="38100"/>
+        </p:spPr>
+        <p:style>
+          <a:lnRef idx="2">
+            <a:schemeClr val="accent1"/>
+          </a:lnRef>
+          <a:fillRef idx="1">
+            <a:schemeClr val="lt1"/>
+          </a:fillRef>
+          <a:effectRef idx="0">
+            <a:schemeClr val="accent1"/>
+          </a:effectRef>
+          <a:fontRef idx="minor">
+            <a:schemeClr val="dk1"/>
+          </a:fontRef>
+        </p:style>
+        <p:txBody>
+          <a:bodyPr wrap="square" rtlCol="0">
+            <a:spAutoFit/>
+          </a:bodyPr>
+          <a:lstStyle/>
+          <a:p>
+            <a:r>
+              <a:rPr lang="da-DK" dirty="0"/>
+              <a:t>Traditional ML (low throughput): Kubernetes cluster using cpu</a:t>
+            </a:r>
+            <a:endParaRPr lang="en-US" dirty="0"/>
+          </a:p>
+        </p:txBody>
+      </p:sp>
+      <p:sp>
+        <p:nvSpPr>
+          <p:cNvPr id="20" name="TextBox 19">
+            <a:extLst>
+              <a:ext uri="{FF2B5EF4-FFF2-40B4-BE49-F238E27FC236}">
+                <a16:creationId xmlns:a16="http://schemas.microsoft.com/office/drawing/2014/main" id="{EB82A4C2-99AD-4988-AD36-FAF25416E1E0}"/>
+              </a:ext>
+            </a:extLst>
+          </p:cNvPr>
+          <p:cNvSpPr txBox="1"/>
+          <p:nvPr/>
+        </p:nvSpPr>
+        <p:spPr>
+          <a:xfrm>
+            <a:off x="9570721" y="3675981"/>
+            <a:ext cx="1968136" cy="1200329"/>
+          </a:xfrm>
+          <a:prstGeom prst="rect">
+            <a:avLst/>
+          </a:prstGeom>
+          <a:ln w="38100"/>
+        </p:spPr>
+        <p:style>
+          <a:lnRef idx="2">
+            <a:schemeClr val="accent1"/>
+          </a:lnRef>
+          <a:fillRef idx="1">
+            <a:schemeClr val="lt1"/>
+          </a:fillRef>
+          <a:effectRef idx="0">
+            <a:schemeClr val="accent1"/>
+          </a:effectRef>
+          <a:fontRef idx="minor">
+            <a:schemeClr val="dk1"/>
+          </a:fontRef>
+        </p:style>
+        <p:txBody>
+          <a:bodyPr wrap="square" rtlCol="0">
+            <a:spAutoFit/>
+          </a:bodyPr>
+          <a:lstStyle/>
+          <a:p>
+            <a:r>
+              <a:rPr lang="da-DK" dirty="0"/>
+              <a:t>Deep learning ML (high throughput): Kubernetes cluster using gpu</a:t>
+            </a:r>
+            <a:endParaRPr lang="en-US" dirty="0"/>
+          </a:p>
+        </p:txBody>
+      </p:sp>
+      <p:cxnSp>
+        <p:nvCxnSpPr>
+          <p:cNvPr id="9" name="Straight Arrow Connector 8">
+            <a:extLst>
+              <a:ext uri="{FF2B5EF4-FFF2-40B4-BE49-F238E27FC236}">
+                <a16:creationId xmlns:a16="http://schemas.microsoft.com/office/drawing/2014/main" id="{83EA19D8-53C5-47CB-B58E-A9E88A6E8345}"/>
+              </a:ext>
+            </a:extLst>
+          </p:cNvPr>
+          <p:cNvCxnSpPr>
+            <a:endCxn id="13" idx="1"/>
+          </p:cNvCxnSpPr>
+          <p:nvPr/>
+        </p:nvCxnSpPr>
+        <p:spPr>
+          <a:xfrm flipV="1">
+            <a:off x="2635434" y="2800754"/>
+            <a:ext cx="392973" cy="746534"/>
+          </a:xfrm>
+          <a:prstGeom prst="straightConnector1">
+            <a:avLst/>
+          </a:prstGeom>
+          <a:ln>
+            <a:tailEnd type="triangle"/>
+          </a:ln>
+        </p:spPr>
+        <p:style>
+          <a:lnRef idx="1">
+            <a:schemeClr val="dk1"/>
+          </a:lnRef>
+          <a:fillRef idx="0">
+            <a:schemeClr val="dk1"/>
+          </a:fillRef>
+          <a:effectRef idx="0">
+            <a:schemeClr val="dk1"/>
+          </a:effectRef>
+          <a:fontRef idx="minor">
+            <a:schemeClr val="tx1"/>
+          </a:fontRef>
+        </p:style>
+      </p:cxnSp>
+      <p:cxnSp>
+        <p:nvCxnSpPr>
+          <p:cNvPr id="21" name="Straight Arrow Connector 20">
+            <a:extLst>
+              <a:ext uri="{FF2B5EF4-FFF2-40B4-BE49-F238E27FC236}">
+                <a16:creationId xmlns:a16="http://schemas.microsoft.com/office/drawing/2014/main" id="{5B9E90C9-8559-410F-90A2-046C9570186D}"/>
+              </a:ext>
+            </a:extLst>
+          </p:cNvPr>
+          <p:cNvCxnSpPr>
+            <a:cxnSpLocks/>
+            <a:endCxn id="14" idx="1"/>
+          </p:cNvCxnSpPr>
+          <p:nvPr/>
+        </p:nvCxnSpPr>
+        <p:spPr>
+          <a:xfrm>
+            <a:off x="2635434" y="3547288"/>
+            <a:ext cx="392973" cy="963025"/>
+          </a:xfrm>
+          <a:prstGeom prst="straightConnector1">
+            <a:avLst/>
+          </a:prstGeom>
+          <a:ln>
+            <a:tailEnd type="triangle"/>
+          </a:ln>
+        </p:spPr>
+        <p:style>
+          <a:lnRef idx="1">
+            <a:schemeClr val="dk1"/>
+          </a:lnRef>
+          <a:fillRef idx="0">
+            <a:schemeClr val="dk1"/>
+          </a:fillRef>
+          <a:effectRef idx="0">
+            <a:schemeClr val="dk1"/>
+          </a:effectRef>
+          <a:fontRef idx="minor">
+            <a:schemeClr val="tx1"/>
+          </a:fontRef>
+        </p:style>
+      </p:cxnSp>
+      <p:cxnSp>
+        <p:nvCxnSpPr>
+          <p:cNvPr id="22" name="Straight Arrow Connector 21">
+            <a:extLst>
+              <a:ext uri="{FF2B5EF4-FFF2-40B4-BE49-F238E27FC236}">
+                <a16:creationId xmlns:a16="http://schemas.microsoft.com/office/drawing/2014/main" id="{274F2D99-D955-469F-B135-F78D8179DFF7}"/>
+              </a:ext>
+            </a:extLst>
+          </p:cNvPr>
+          <p:cNvCxnSpPr>
+            <a:cxnSpLocks/>
+            <a:stCxn id="14" idx="3"/>
+            <a:endCxn id="15" idx="1"/>
+          </p:cNvCxnSpPr>
+          <p:nvPr/>
+        </p:nvCxnSpPr>
+        <p:spPr>
+          <a:xfrm flipV="1">
+            <a:off x="4811487" y="3827527"/>
+            <a:ext cx="392973" cy="682786"/>
+          </a:xfrm>
+          <a:prstGeom prst="straightConnector1">
+            <a:avLst/>
+          </a:prstGeom>
+          <a:ln>
+            <a:tailEnd type="triangle"/>
+          </a:ln>
+        </p:spPr>
+        <p:style>
+          <a:lnRef idx="1">
+            <a:schemeClr val="dk1"/>
+          </a:lnRef>
+          <a:fillRef idx="0">
+            <a:schemeClr val="dk1"/>
+          </a:fillRef>
+          <a:effectRef idx="0">
+            <a:schemeClr val="dk1"/>
+          </a:effectRef>
+          <a:fontRef idx="minor">
+            <a:schemeClr val="tx1"/>
+          </a:fontRef>
+        </p:style>
+      </p:cxnSp>
+      <p:cxnSp>
+        <p:nvCxnSpPr>
+          <p:cNvPr id="26" name="Straight Arrow Connector 25">
+            <a:extLst>
+              <a:ext uri="{FF2B5EF4-FFF2-40B4-BE49-F238E27FC236}">
+                <a16:creationId xmlns:a16="http://schemas.microsoft.com/office/drawing/2014/main" id="{8706BC54-61EA-4857-A5F6-D7E57A61ED89}"/>
+              </a:ext>
+            </a:extLst>
+          </p:cNvPr>
+          <p:cNvCxnSpPr>
+            <a:cxnSpLocks/>
+            <a:stCxn id="14" idx="3"/>
+          </p:cNvCxnSpPr>
+          <p:nvPr/>
+        </p:nvCxnSpPr>
+        <p:spPr>
+          <a:xfrm>
+            <a:off x="4811487" y="4510313"/>
+            <a:ext cx="365215" cy="565108"/>
+          </a:xfrm>
+          <a:prstGeom prst="straightConnector1">
+            <a:avLst/>
+          </a:prstGeom>
+          <a:ln>
+            <a:tailEnd type="triangle"/>
+          </a:ln>
+        </p:spPr>
+        <p:style>
+          <a:lnRef idx="1">
+            <a:schemeClr val="dk1"/>
+          </a:lnRef>
+          <a:fillRef idx="0">
+            <a:schemeClr val="dk1"/>
+          </a:fillRef>
+          <a:effectRef idx="0">
+            <a:schemeClr val="dk1"/>
+          </a:effectRef>
+          <a:fontRef idx="minor">
+            <a:schemeClr val="tx1"/>
+          </a:fontRef>
+        </p:style>
+      </p:cxnSp>
+      <p:cxnSp>
+        <p:nvCxnSpPr>
+          <p:cNvPr id="29" name="Straight Arrow Connector 28">
+            <a:extLst>
+              <a:ext uri="{FF2B5EF4-FFF2-40B4-BE49-F238E27FC236}">
+                <a16:creationId xmlns:a16="http://schemas.microsoft.com/office/drawing/2014/main" id="{43CA2530-B236-4056-AF71-B8D0876D3D29}"/>
+              </a:ext>
+            </a:extLst>
+          </p:cNvPr>
+          <p:cNvCxnSpPr>
+            <a:cxnSpLocks/>
+            <a:endCxn id="18" idx="1"/>
+          </p:cNvCxnSpPr>
+          <p:nvPr/>
+        </p:nvCxnSpPr>
+        <p:spPr>
+          <a:xfrm>
+            <a:off x="7000062" y="3825328"/>
+            <a:ext cx="374466" cy="856604"/>
+          </a:xfrm>
+          <a:prstGeom prst="straightConnector1">
+            <a:avLst/>
+          </a:prstGeom>
+          <a:ln>
+            <a:tailEnd type="triangle"/>
+          </a:ln>
+        </p:spPr>
+        <p:style>
+          <a:lnRef idx="1">
+            <a:schemeClr val="dk1"/>
+          </a:lnRef>
+          <a:fillRef idx="0">
+            <a:schemeClr val="dk1"/>
+          </a:fillRef>
+          <a:effectRef idx="0">
+            <a:schemeClr val="dk1"/>
+          </a:effectRef>
+          <a:fontRef idx="minor">
+            <a:schemeClr val="tx1"/>
+          </a:fontRef>
+        </p:style>
+      </p:cxnSp>
+      <p:cxnSp>
+        <p:nvCxnSpPr>
+          <p:cNvPr id="31" name="Straight Arrow Connector 30">
+            <a:extLst>
+              <a:ext uri="{FF2B5EF4-FFF2-40B4-BE49-F238E27FC236}">
+                <a16:creationId xmlns:a16="http://schemas.microsoft.com/office/drawing/2014/main" id="{849B5D77-DA07-4288-9F95-3E54862F35E0}"/>
+              </a:ext>
+            </a:extLst>
+          </p:cNvPr>
+          <p:cNvCxnSpPr>
+            <a:cxnSpLocks/>
+            <a:stCxn id="15" idx="3"/>
+            <a:endCxn id="17" idx="1"/>
+          </p:cNvCxnSpPr>
+          <p:nvPr/>
+        </p:nvCxnSpPr>
+        <p:spPr>
+          <a:xfrm flipV="1">
+            <a:off x="6987540" y="3346379"/>
+            <a:ext cx="392973" cy="481148"/>
+          </a:xfrm>
+          <a:prstGeom prst="straightConnector1">
+            <a:avLst/>
+          </a:prstGeom>
+          <a:ln>
+            <a:tailEnd type="triangle"/>
+          </a:ln>
+        </p:spPr>
+        <p:style>
+          <a:lnRef idx="1">
+            <a:schemeClr val="dk1"/>
+          </a:lnRef>
+          <a:fillRef idx="0">
+            <a:schemeClr val="dk1"/>
+          </a:fillRef>
+          <a:effectRef idx="0">
+            <a:schemeClr val="dk1"/>
+          </a:effectRef>
+          <a:fontRef idx="minor">
+            <a:schemeClr val="tx1"/>
+          </a:fontRef>
+        </p:style>
+      </p:cxnSp>
+      <p:cxnSp>
+        <p:nvCxnSpPr>
+          <p:cNvPr id="35" name="Straight Arrow Connector 34">
+            <a:extLst>
+              <a:ext uri="{FF2B5EF4-FFF2-40B4-BE49-F238E27FC236}">
+                <a16:creationId xmlns:a16="http://schemas.microsoft.com/office/drawing/2014/main" id="{C57DCFFA-AC97-4861-AAD9-6399503A4D26}"/>
+              </a:ext>
+            </a:extLst>
+          </p:cNvPr>
+          <p:cNvCxnSpPr>
+            <a:cxnSpLocks/>
+            <a:endCxn id="19" idx="1"/>
+          </p:cNvCxnSpPr>
+          <p:nvPr/>
+        </p:nvCxnSpPr>
+        <p:spPr>
+          <a:xfrm flipV="1">
+            <a:off x="9177748" y="2947124"/>
+            <a:ext cx="392973" cy="395754"/>
+          </a:xfrm>
+          <a:prstGeom prst="straightConnector1">
+            <a:avLst/>
+          </a:prstGeom>
+          <a:ln>
+            <a:tailEnd type="triangle"/>
+          </a:ln>
+        </p:spPr>
+        <p:style>
+          <a:lnRef idx="1">
+            <a:schemeClr val="dk1"/>
+          </a:lnRef>
+          <a:fillRef idx="0">
+            <a:schemeClr val="dk1"/>
+          </a:fillRef>
+          <a:effectRef idx="0">
+            <a:schemeClr val="dk1"/>
+          </a:effectRef>
+          <a:fontRef idx="minor">
+            <a:schemeClr val="tx1"/>
+          </a:fontRef>
+        </p:style>
+      </p:cxnSp>
+      <p:cxnSp>
+        <p:nvCxnSpPr>
+          <p:cNvPr id="37" name="Straight Arrow Connector 36">
+            <a:extLst>
+              <a:ext uri="{FF2B5EF4-FFF2-40B4-BE49-F238E27FC236}">
+                <a16:creationId xmlns:a16="http://schemas.microsoft.com/office/drawing/2014/main" id="{D50E8846-A210-465B-A13F-F286B31EBA78}"/>
+              </a:ext>
+            </a:extLst>
+          </p:cNvPr>
+          <p:cNvCxnSpPr>
+            <a:cxnSpLocks/>
+            <a:stCxn id="17" idx="3"/>
+            <a:endCxn id="20" idx="1"/>
+          </p:cNvCxnSpPr>
+          <p:nvPr/>
+        </p:nvCxnSpPr>
+        <p:spPr>
+          <a:xfrm>
+            <a:off x="9163593" y="3346379"/>
+            <a:ext cx="407128" cy="929767"/>
+          </a:xfrm>
+          <a:prstGeom prst="straightConnector1">
+            <a:avLst/>
+          </a:prstGeom>
+          <a:ln>
+            <a:tailEnd type="triangle"/>
+          </a:ln>
+        </p:spPr>
+        <p:style>
+          <a:lnRef idx="1">
+            <a:schemeClr val="dk1"/>
+          </a:lnRef>
+          <a:fillRef idx="0">
+            <a:schemeClr val="dk1"/>
+          </a:fillRef>
+          <a:effectRef idx="0">
+            <a:schemeClr val="dk1"/>
+          </a:effectRef>
+          <a:fontRef idx="minor">
+            <a:schemeClr val="tx1"/>
+          </a:fontRef>
+        </p:style>
+      </p:cxnSp>
+    </p:spTree>
+    <p:extLst>
+      <p:ext uri="{BB962C8B-B14F-4D97-AF65-F5344CB8AC3E}">
+        <p14:creationId xmlns:p14="http://schemas.microsoft.com/office/powerpoint/2010/main" val="941064246"/>
+      </p:ext>
+    </p:extLst>
+  </p:cSld>
+  <p:clrMapOvr>
+    <a:masterClrMapping/>
+  </p:clrMapOvr>
+</p:sld>
+</file>
+
+<file path=ppt/slides/slide8.xml><?xml version="1.0" encoding="utf-8"?>
+<p:sld xmlns:a="http://schemas.openxmlformats.org/drawingml/2006/main" xmlns:r="http://schemas.openxmlformats.org/officeDocument/2006/relationships" xmlns:p="http://schemas.openxmlformats.org/presentationml/2006/main">
+  <p:cSld>
+    <p:spTree>
+      <p:nvGrpSpPr>
+        <p:cNvPr id="1" name=""/>
+        <p:cNvGrpSpPr/>
+        <p:nvPr/>
+      </p:nvGrpSpPr>
+      <p:grpSpPr>
+        <a:xfrm>
+          <a:off x="0" y="0"/>
+          <a:ext cx="0" cy="0"/>
+          <a:chOff x="0" y="0"/>
+          <a:chExt cx="0" cy="0"/>
+        </a:xfrm>
+      </p:grpSpPr>
+      <p:sp>
+        <p:nvSpPr>
+          <p:cNvPr id="2" name="Title 1">
+            <a:extLst>
+              <a:ext uri="{FF2B5EF4-FFF2-40B4-BE49-F238E27FC236}">
+                <a16:creationId xmlns:a16="http://schemas.microsoft.com/office/drawing/2014/main" id="{26620170-F212-41EC-BBF0-1179E9707C33}"/>
+              </a:ext>
+            </a:extLst>
+          </p:cNvPr>
+          <p:cNvSpPr>
+            <a:spLocks noGrp="1"/>
+          </p:cNvSpPr>
+          <p:nvPr>
+            <p:ph type="title"/>
+          </p:nvPr>
+        </p:nvSpPr>
+        <p:spPr>
+          <a:xfrm>
+            <a:off x="838200" y="0"/>
+            <a:ext cx="10515600" cy="1325563"/>
+          </a:xfrm>
+        </p:spPr>
+        <p:txBody>
+          <a:bodyPr/>
+          <a:lstStyle/>
+          <a:p>
+            <a:r>
+              <a:rPr lang="da-DK" dirty="0"/>
+              <a:t>What are the challenges with Pytorch in production</a:t>
+            </a:r>
+          </a:p>
+        </p:txBody>
+      </p:sp>
+      <p:sp>
+        <p:nvSpPr>
+          <p:cNvPr id="3" name="Content Placeholder 2">
+            <a:extLst>
+              <a:ext uri="{FF2B5EF4-FFF2-40B4-BE49-F238E27FC236}">
+                <a16:creationId xmlns:a16="http://schemas.microsoft.com/office/drawing/2014/main" id="{EB573C72-3C94-4AA0-AB0C-E0203DB5CCC8}"/>
+              </a:ext>
+            </a:extLst>
+          </p:cNvPr>
+          <p:cNvSpPr>
+            <a:spLocks noGrp="1"/>
+          </p:cNvSpPr>
+          <p:nvPr>
+            <p:ph idx="1"/>
+          </p:nvPr>
+        </p:nvSpPr>
+        <p:spPr/>
+        <p:txBody>
+          <a:bodyPr/>
+          <a:lstStyle/>
+          <a:p>
+            <a:endParaRPr lang="da-DK" dirty="0"/>
+          </a:p>
+          <a:p>
+            <a:r>
+              <a:rPr lang="da-DK" dirty="0"/>
+              <a:t>Pytorch is a dynamic framework (uses a dynamic graph)</a:t>
+            </a:r>
+          </a:p>
+          <a:p>
+            <a:pPr lvl="1"/>
+            <a:r>
+              <a:rPr lang="da-DK" dirty="0"/>
+              <a:t>This is not great in production as we need to know sizes etc. for compilation and optimization</a:t>
+            </a:r>
+          </a:p>
+          <a:p>
+            <a:endParaRPr lang="da-DK" dirty="0"/>
+          </a:p>
+          <a:p>
+            <a:r>
+              <a:rPr lang="da-DK" dirty="0"/>
+              <a:t>Why not use a static framework (Tensorflow 1.x, Caffe2 etc.)?</a:t>
+            </a:r>
+          </a:p>
+          <a:p>
+            <a:pPr lvl="1"/>
+            <a:r>
+              <a:rPr lang="da-DK" dirty="0"/>
+              <a:t>Do you really want to port all your work?</a:t>
+            </a:r>
+          </a:p>
+          <a:p>
+            <a:pPr lvl="1"/>
+            <a:endParaRPr lang="da-DK" dirty="0"/>
+          </a:p>
+          <a:p>
+            <a:r>
+              <a:rPr lang="da-DK" dirty="0"/>
+              <a:t>What can we do to solve this?</a:t>
+            </a:r>
+          </a:p>
+        </p:txBody>
+      </p:sp>
+      <p:sp>
+        <p:nvSpPr>
+          <p:cNvPr id="4" name="Date Placeholder 3">
+            <a:extLst>
+              <a:ext uri="{FF2B5EF4-FFF2-40B4-BE49-F238E27FC236}">
+                <a16:creationId xmlns:a16="http://schemas.microsoft.com/office/drawing/2014/main" id="{FAFF879A-02DB-46FE-96A6-56BE962BDB77}"/>
+              </a:ext>
+            </a:extLst>
+          </p:cNvPr>
+          <p:cNvSpPr>
+            <a:spLocks noGrp="1"/>
+          </p:cNvSpPr>
+          <p:nvPr>
+            <p:ph type="dt" sz="half" idx="10"/>
+          </p:nvPr>
+        </p:nvSpPr>
+        <p:spPr/>
+        <p:txBody>
+          <a:bodyPr/>
+          <a:lstStyle/>
+          <a:p>
+            <a:fld id="{019E29B9-5584-4737-9C98-1B926378C778}" type="datetime1">
+              <a:rPr lang="en-US" smtClean="0"/>
+              <a:t>1/17/2022</a:t>
+            </a:fld>
+            <a:endParaRPr lang="da-DK"/>
+          </a:p>
+        </p:txBody>
+      </p:sp>
+      <p:sp>
+        <p:nvSpPr>
+          <p:cNvPr id="5" name="Footer Placeholder 4">
+            <a:extLst>
+              <a:ext uri="{FF2B5EF4-FFF2-40B4-BE49-F238E27FC236}">
+                <a16:creationId xmlns:a16="http://schemas.microsoft.com/office/drawing/2014/main" id="{D017D227-6D7A-4C83-B900-19A10749A412}"/>
+              </a:ext>
+            </a:extLst>
+          </p:cNvPr>
+          <p:cNvSpPr>
+            <a:spLocks noGrp="1"/>
+          </p:cNvSpPr>
+          <p:nvPr>
+            <p:ph type="ftr" sz="quarter" idx="11"/>
+          </p:nvPr>
+        </p:nvSpPr>
+        <p:spPr/>
+        <p:txBody>
+          <a:bodyPr/>
+          <a:lstStyle/>
+          <a:p>
+            <a:r>
+              <a:rPr lang="da-DK"/>
+              <a:t>Nicki Skafte Detlefsen</a:t>
+            </a:r>
+          </a:p>
+        </p:txBody>
+      </p:sp>
+      <p:sp>
+        <p:nvSpPr>
+          <p:cNvPr id="6" name="Slide Number Placeholder 5">
+            <a:extLst>
+              <a:ext uri="{FF2B5EF4-FFF2-40B4-BE49-F238E27FC236}">
+                <a16:creationId xmlns:a16="http://schemas.microsoft.com/office/drawing/2014/main" id="{3ABDB98C-01F5-4A01-A2B2-88383B881833}"/>
+              </a:ext>
+            </a:extLst>
+          </p:cNvPr>
+          <p:cNvSpPr>
+            <a:spLocks noGrp="1"/>
+          </p:cNvSpPr>
+          <p:nvPr>
+            <p:ph type="sldNum" sz="quarter" idx="12"/>
+          </p:nvPr>
+        </p:nvSpPr>
+        <p:spPr/>
+        <p:txBody>
+          <a:bodyPr/>
+          <a:lstStyle/>
+          <a:p>
+            <a:fld id="{F6FEDE24-D50C-481B-A7B4-8AF13899101A}" type="slidenum">
+              <a:rPr lang="da-DK" smtClean="0"/>
+              <a:t>8</a:t>
+            </a:fld>
+            <a:endParaRPr lang="da-DK"/>
+          </a:p>
+        </p:txBody>
+      </p:sp>
+    </p:spTree>
+    <p:extLst>
+      <p:ext uri="{BB962C8B-B14F-4D97-AF65-F5344CB8AC3E}">
+        <p14:creationId xmlns:p14="http://schemas.microsoft.com/office/powerpoint/2010/main" val="39229472"/>
+      </p:ext>
+    </p:extLst>
+  </p:cSld>
+  <p:clrMapOvr>
+    <a:masterClrMapping/>
+  </p:clrMapOvr>
+</p:sld>
+</file>
+
+<file path=ppt/slides/slide9.xml><?xml version="1.0" encoding="utf-8"?>
+<p:sld xmlns:a="http://schemas.openxmlformats.org/drawingml/2006/main" xmlns:r="http://schemas.openxmlformats.org/officeDocument/2006/relationships" xmlns:p="http://schemas.openxmlformats.org/presentationml/2006/main">
+  <p:cSld>
+    <p:spTree>
+      <p:nvGrpSpPr>
+        <p:cNvPr id="1" name=""/>
+        <p:cNvGrpSpPr/>
+        <p:nvPr/>
+      </p:nvGrpSpPr>
+      <p:grpSpPr>
+        <a:xfrm>
+          <a:off x="0" y="0"/>
+          <a:ext cx="0" cy="0"/>
+          <a:chOff x="0" y="0"/>
+          <a:chExt cx="0" cy="0"/>
+        </a:xfrm>
+      </p:grpSpPr>
+      <p:sp>
+        <p:nvSpPr>
+          <p:cNvPr id="2" name="Title 1">
+            <a:extLst>
+              <a:ext uri="{FF2B5EF4-FFF2-40B4-BE49-F238E27FC236}">
+                <a16:creationId xmlns:a16="http://schemas.microsoft.com/office/drawing/2014/main" id="{CFB6F646-5CDF-4C24-9D09-3185F1EA1B99}"/>
+              </a:ext>
+            </a:extLst>
+          </p:cNvPr>
+          <p:cNvSpPr>
+            <a:spLocks noGrp="1"/>
+          </p:cNvSpPr>
+          <p:nvPr>
+            <p:ph type="title"/>
+          </p:nvPr>
+        </p:nvSpPr>
+        <p:spPr/>
+        <p:txBody>
+          <a:bodyPr/>
+          <a:lstStyle/>
+          <a:p>
+            <a:r>
+              <a:rPr lang="da-DK" dirty="0"/>
+              <a:t>Convert to script mode!</a:t>
+            </a:r>
+          </a:p>
+        </p:txBody>
+      </p:sp>
+      <p:sp>
+        <p:nvSpPr>
+          <p:cNvPr id="3" name="Content Placeholder 2">
+            <a:extLst>
+              <a:ext uri="{FF2B5EF4-FFF2-40B4-BE49-F238E27FC236}">
+                <a16:creationId xmlns:a16="http://schemas.microsoft.com/office/drawing/2014/main" id="{65895965-B3E9-43FA-BC76-52F8E2E7783C}"/>
+              </a:ext>
+            </a:extLst>
+          </p:cNvPr>
+          <p:cNvSpPr>
+            <a:spLocks noGrp="1"/>
+          </p:cNvSpPr>
+          <p:nvPr>
+            <p:ph idx="1"/>
+          </p:nvPr>
+        </p:nvSpPr>
+        <p:spPr/>
+        <p:txBody>
+          <a:bodyPr/>
+          <a:lstStyle/>
+          <a:p>
+            <a:endParaRPr lang="da-DK"/>
+          </a:p>
+        </p:txBody>
+      </p:sp>
+      <p:sp>
+        <p:nvSpPr>
+          <p:cNvPr id="4" name="Date Placeholder 3">
+            <a:extLst>
+              <a:ext uri="{FF2B5EF4-FFF2-40B4-BE49-F238E27FC236}">
+                <a16:creationId xmlns:a16="http://schemas.microsoft.com/office/drawing/2014/main" id="{93EE545D-4724-4759-9936-944E9F3C6CED}"/>
+              </a:ext>
+            </a:extLst>
+          </p:cNvPr>
+          <p:cNvSpPr>
+            <a:spLocks noGrp="1"/>
+          </p:cNvSpPr>
+          <p:nvPr>
+            <p:ph type="dt" sz="half" idx="10"/>
+          </p:nvPr>
+        </p:nvSpPr>
+        <p:spPr/>
+        <p:txBody>
+          <a:bodyPr/>
+          <a:lstStyle/>
+          <a:p>
+            <a:fld id="{019E29B9-5584-4737-9C98-1B926378C778}" type="datetime1">
+              <a:rPr lang="en-US" smtClean="0"/>
+              <a:t>1/17/2022</a:t>
+            </a:fld>
+            <a:endParaRPr lang="da-DK"/>
+          </a:p>
+        </p:txBody>
+      </p:sp>
+      <p:sp>
+        <p:nvSpPr>
+          <p:cNvPr id="5" name="Footer Placeholder 4">
+            <a:extLst>
+              <a:ext uri="{FF2B5EF4-FFF2-40B4-BE49-F238E27FC236}">
+                <a16:creationId xmlns:a16="http://schemas.microsoft.com/office/drawing/2014/main" id="{76249C13-6DF2-4E5A-9819-D7C4D02914FB}"/>
+              </a:ext>
+            </a:extLst>
+          </p:cNvPr>
+          <p:cNvSpPr>
+            <a:spLocks noGrp="1"/>
+          </p:cNvSpPr>
+          <p:nvPr>
+            <p:ph type="ftr" sz="quarter" idx="11"/>
+          </p:nvPr>
+        </p:nvSpPr>
+        <p:spPr/>
+        <p:txBody>
+          <a:bodyPr/>
+          <a:lstStyle/>
+          <a:p>
+            <a:r>
+              <a:rPr lang="da-DK"/>
+              <a:t>Nicki Skafte Detlefsen</a:t>
+            </a:r>
+          </a:p>
+        </p:txBody>
+      </p:sp>
+      <p:sp>
+        <p:nvSpPr>
+          <p:cNvPr id="6" name="Slide Number Placeholder 5">
+            <a:extLst>
+              <a:ext uri="{FF2B5EF4-FFF2-40B4-BE49-F238E27FC236}">
+                <a16:creationId xmlns:a16="http://schemas.microsoft.com/office/drawing/2014/main" id="{D75F4907-290A-46CD-AAC4-2563D5F62948}"/>
+              </a:ext>
+            </a:extLst>
+          </p:cNvPr>
+          <p:cNvSpPr>
+            <a:spLocks noGrp="1"/>
+          </p:cNvSpPr>
+          <p:nvPr>
+            <p:ph type="sldNum" sz="quarter" idx="12"/>
+          </p:nvPr>
+        </p:nvSpPr>
+        <p:spPr/>
+        <p:txBody>
+          <a:bodyPr/>
+          <a:lstStyle/>
+          <a:p>
+            <a:fld id="{F6FEDE24-D50C-481B-A7B4-8AF13899101A}" type="slidenum">
+              <a:rPr lang="da-DK" smtClean="0"/>
+              <a:t>9</a:t>
             </a:fld>
             <a:endParaRPr lang="da-DK"/>
           </a:p>
@@ -6091,385 +7525,6 @@
     <p:extLst>
       <p:ext uri="{BB962C8B-B14F-4D97-AF65-F5344CB8AC3E}">
         <p14:creationId xmlns:p14="http://schemas.microsoft.com/office/powerpoint/2010/main" val="3695974087"/>
-      </p:ext>
-    </p:extLst>
-  </p:cSld>
-  <p:clrMapOvr>
-    <a:masterClrMapping/>
-  </p:clrMapOvr>
-</p:sld>
-</file>
-
-<file path=ppt/slides/slide8.xml><?xml version="1.0" encoding="utf-8"?>
-<p:sld xmlns:a="http://schemas.openxmlformats.org/drawingml/2006/main" xmlns:r="http://schemas.openxmlformats.org/officeDocument/2006/relationships" xmlns:p="http://schemas.openxmlformats.org/presentationml/2006/main">
-  <p:cSld>
-    <p:spTree>
-      <p:nvGrpSpPr>
-        <p:cNvPr id="1" name=""/>
-        <p:cNvGrpSpPr/>
-        <p:nvPr/>
-      </p:nvGrpSpPr>
-      <p:grpSpPr>
-        <a:xfrm>
-          <a:off x="0" y="0"/>
-          <a:ext cx="0" cy="0"/>
-          <a:chOff x="0" y="0"/>
-          <a:chExt cx="0" cy="0"/>
-        </a:xfrm>
-      </p:grpSpPr>
-      <p:sp>
-        <p:nvSpPr>
-          <p:cNvPr id="2" name="Title 1">
-            <a:extLst>
-              <a:ext uri="{FF2B5EF4-FFF2-40B4-BE49-F238E27FC236}">
-                <a16:creationId xmlns:a16="http://schemas.microsoft.com/office/drawing/2014/main" id="{6C8E2CF6-0AF6-4B86-B1CE-76AC3E283866}"/>
-              </a:ext>
-            </a:extLst>
-          </p:cNvPr>
-          <p:cNvSpPr>
-            <a:spLocks noGrp="1"/>
-          </p:cNvSpPr>
-          <p:nvPr>
-            <p:ph type="title"/>
-          </p:nvPr>
-        </p:nvSpPr>
-        <p:spPr/>
-        <p:txBody>
-          <a:bodyPr/>
-          <a:lstStyle/>
-          <a:p>
-            <a:r>
-              <a:rPr lang="da-DK" dirty="0"/>
-              <a:t>Serilization</a:t>
-            </a:r>
-          </a:p>
-        </p:txBody>
-      </p:sp>
-      <p:sp>
-        <p:nvSpPr>
-          <p:cNvPr id="3" name="Content Placeholder 2">
-            <a:extLst>
-              <a:ext uri="{FF2B5EF4-FFF2-40B4-BE49-F238E27FC236}">
-                <a16:creationId xmlns:a16="http://schemas.microsoft.com/office/drawing/2014/main" id="{8DC65406-CBF5-4EAF-9CCD-9B03382DBABA}"/>
-              </a:ext>
-            </a:extLst>
-          </p:cNvPr>
-          <p:cNvSpPr>
-            <a:spLocks noGrp="1"/>
-          </p:cNvSpPr>
-          <p:nvPr>
-            <p:ph idx="1"/>
-          </p:nvPr>
-        </p:nvSpPr>
-        <p:spPr/>
-        <p:txBody>
-          <a:bodyPr/>
-          <a:lstStyle/>
-          <a:p>
-            <a:r>
-              <a:rPr lang="da-DK" dirty="0">
-                <a:latin typeface="+mj-lt"/>
-              </a:rPr>
-              <a:t>torch.jit.script </a:t>
-            </a:r>
-            <a:r>
-              <a:rPr lang="da-DK" dirty="0"/>
-              <a:t>serialize the model, but what does it mean?</a:t>
-            </a:r>
-          </a:p>
-          <a:p>
-            <a:endParaRPr lang="da-DK" dirty="0"/>
-          </a:p>
-          <a:p>
-            <a:r>
-              <a:rPr lang="da-DK" dirty="0"/>
-              <a:t>Serilization essentially encodes all </a:t>
-            </a:r>
-            <a:r>
-              <a:rPr lang="en-US" dirty="0"/>
-              <a:t>modules methods, submodules, parameters, and attributes into a byte stream</a:t>
-            </a:r>
-          </a:p>
-          <a:p>
-            <a:endParaRPr lang="en-US" dirty="0"/>
-          </a:p>
-          <a:p>
-            <a:r>
-              <a:rPr lang="en-US" dirty="0"/>
-              <a:t>This makes the encoded model independent of python!</a:t>
-            </a:r>
-          </a:p>
-          <a:p>
-            <a:endParaRPr lang="en-US" dirty="0"/>
-          </a:p>
-          <a:p>
-            <a:r>
-              <a:rPr lang="da-DK" dirty="0"/>
-              <a:t>This is basically just ”pickling” and “unpickling”.</a:t>
-            </a:r>
-          </a:p>
-        </p:txBody>
-      </p:sp>
-      <p:sp>
-        <p:nvSpPr>
-          <p:cNvPr id="4" name="Date Placeholder 3">
-            <a:extLst>
-              <a:ext uri="{FF2B5EF4-FFF2-40B4-BE49-F238E27FC236}">
-                <a16:creationId xmlns:a16="http://schemas.microsoft.com/office/drawing/2014/main" id="{055AA58C-6AD8-4E3B-8D69-E714E8B554A6}"/>
-              </a:ext>
-            </a:extLst>
-          </p:cNvPr>
-          <p:cNvSpPr>
-            <a:spLocks noGrp="1"/>
-          </p:cNvSpPr>
-          <p:nvPr>
-            <p:ph type="dt" sz="half" idx="10"/>
-          </p:nvPr>
-        </p:nvSpPr>
-        <p:spPr/>
-        <p:txBody>
-          <a:bodyPr/>
-          <a:lstStyle/>
-          <a:p>
-            <a:fld id="{019E29B9-5584-4737-9C98-1B926378C778}" type="datetime1">
-              <a:rPr lang="en-US" smtClean="0"/>
-              <a:t>1/12/2022</a:t>
-            </a:fld>
-            <a:endParaRPr lang="da-DK"/>
-          </a:p>
-        </p:txBody>
-      </p:sp>
-      <p:sp>
-        <p:nvSpPr>
-          <p:cNvPr id="5" name="Footer Placeholder 4">
-            <a:extLst>
-              <a:ext uri="{FF2B5EF4-FFF2-40B4-BE49-F238E27FC236}">
-                <a16:creationId xmlns:a16="http://schemas.microsoft.com/office/drawing/2014/main" id="{54077DDF-8BE6-4720-82DC-C0986BD28D4E}"/>
-              </a:ext>
-            </a:extLst>
-          </p:cNvPr>
-          <p:cNvSpPr>
-            <a:spLocks noGrp="1"/>
-          </p:cNvSpPr>
-          <p:nvPr>
-            <p:ph type="ftr" sz="quarter" idx="11"/>
-          </p:nvPr>
-        </p:nvSpPr>
-        <p:spPr/>
-        <p:txBody>
-          <a:bodyPr/>
-          <a:lstStyle/>
-          <a:p>
-            <a:r>
-              <a:rPr lang="da-DK"/>
-              <a:t>Nicki Skafte Detlefsen</a:t>
-            </a:r>
-          </a:p>
-        </p:txBody>
-      </p:sp>
-      <p:sp>
-        <p:nvSpPr>
-          <p:cNvPr id="6" name="Slide Number Placeholder 5">
-            <a:extLst>
-              <a:ext uri="{FF2B5EF4-FFF2-40B4-BE49-F238E27FC236}">
-                <a16:creationId xmlns:a16="http://schemas.microsoft.com/office/drawing/2014/main" id="{0B019C9A-5943-499B-97F1-2F2A48B25D82}"/>
-              </a:ext>
-            </a:extLst>
-          </p:cNvPr>
-          <p:cNvSpPr>
-            <a:spLocks noGrp="1"/>
-          </p:cNvSpPr>
-          <p:nvPr>
-            <p:ph type="sldNum" sz="quarter" idx="12"/>
-          </p:nvPr>
-        </p:nvSpPr>
-        <p:spPr/>
-        <p:txBody>
-          <a:bodyPr/>
-          <a:lstStyle/>
-          <a:p>
-            <a:fld id="{F6FEDE24-D50C-481B-A7B4-8AF13899101A}" type="slidenum">
-              <a:rPr lang="da-DK" smtClean="0"/>
-              <a:t>8</a:t>
-            </a:fld>
-            <a:endParaRPr lang="da-DK"/>
-          </a:p>
-        </p:txBody>
-      </p:sp>
-    </p:spTree>
-    <p:extLst>
-      <p:ext uri="{BB962C8B-B14F-4D97-AF65-F5344CB8AC3E}">
-        <p14:creationId xmlns:p14="http://schemas.microsoft.com/office/powerpoint/2010/main" val="2559464000"/>
-      </p:ext>
-    </p:extLst>
-  </p:cSld>
-  <p:clrMapOvr>
-    <a:masterClrMapping/>
-  </p:clrMapOvr>
-</p:sld>
-</file>
-
-<file path=ppt/slides/slide9.xml><?xml version="1.0" encoding="utf-8"?>
-<p:sld xmlns:a="http://schemas.openxmlformats.org/drawingml/2006/main" xmlns:r="http://schemas.openxmlformats.org/officeDocument/2006/relationships" xmlns:p="http://schemas.openxmlformats.org/presentationml/2006/main">
-  <p:cSld>
-    <p:spTree>
-      <p:nvGrpSpPr>
-        <p:cNvPr id="1" name=""/>
-        <p:cNvGrpSpPr/>
-        <p:nvPr/>
-      </p:nvGrpSpPr>
-      <p:grpSpPr>
-        <a:xfrm>
-          <a:off x="0" y="0"/>
-          <a:ext cx="0" cy="0"/>
-          <a:chOff x="0" y="0"/>
-          <a:chExt cx="0" cy="0"/>
-        </a:xfrm>
-      </p:grpSpPr>
-      <p:sp>
-        <p:nvSpPr>
-          <p:cNvPr id="2" name="Title 1">
-            <a:extLst>
-              <a:ext uri="{FF2B5EF4-FFF2-40B4-BE49-F238E27FC236}">
-                <a16:creationId xmlns:a16="http://schemas.microsoft.com/office/drawing/2014/main" id="{97188C28-237D-4818-ADD0-698D7DAEBC5B}"/>
-              </a:ext>
-            </a:extLst>
-          </p:cNvPr>
-          <p:cNvSpPr>
-            <a:spLocks noGrp="1"/>
-          </p:cNvSpPr>
-          <p:nvPr>
-            <p:ph type="title"/>
-          </p:nvPr>
-        </p:nvSpPr>
-        <p:spPr/>
-        <p:txBody>
-          <a:bodyPr/>
-          <a:lstStyle/>
-          <a:p>
-            <a:r>
-              <a:rPr lang="da-DK" dirty="0"/>
-              <a:t>Cloud functions</a:t>
-            </a:r>
-            <a:endParaRPr lang="en-US" dirty="0"/>
-          </a:p>
-        </p:txBody>
-      </p:sp>
-      <p:sp>
-        <p:nvSpPr>
-          <p:cNvPr id="3" name="Content Placeholder 2">
-            <a:extLst>
-              <a:ext uri="{FF2B5EF4-FFF2-40B4-BE49-F238E27FC236}">
-                <a16:creationId xmlns:a16="http://schemas.microsoft.com/office/drawing/2014/main" id="{DE3D4940-B340-4FE7-BFEC-613B26FDE0D2}"/>
-              </a:ext>
-            </a:extLst>
-          </p:cNvPr>
-          <p:cNvSpPr>
-            <a:spLocks noGrp="1"/>
-          </p:cNvSpPr>
-          <p:nvPr>
-            <p:ph idx="1"/>
-          </p:nvPr>
-        </p:nvSpPr>
-        <p:spPr/>
-        <p:txBody>
-          <a:bodyPr/>
-          <a:lstStyle/>
-          <a:p>
-            <a:endParaRPr lang="en-US"/>
-          </a:p>
-        </p:txBody>
-      </p:sp>
-      <p:sp>
-        <p:nvSpPr>
-          <p:cNvPr id="4" name="Date Placeholder 3">
-            <a:extLst>
-              <a:ext uri="{FF2B5EF4-FFF2-40B4-BE49-F238E27FC236}">
-                <a16:creationId xmlns:a16="http://schemas.microsoft.com/office/drawing/2014/main" id="{6E9729CE-4328-4BD1-AB32-2B229ED2DA5F}"/>
-              </a:ext>
-            </a:extLst>
-          </p:cNvPr>
-          <p:cNvSpPr>
-            <a:spLocks noGrp="1"/>
-          </p:cNvSpPr>
-          <p:nvPr>
-            <p:ph type="dt" sz="half" idx="10"/>
-          </p:nvPr>
-        </p:nvSpPr>
-        <p:spPr/>
-        <p:txBody>
-          <a:bodyPr/>
-          <a:lstStyle/>
-          <a:p>
-            <a:fld id="{019E29B9-5584-4737-9C98-1B926378C778}" type="datetime1">
-              <a:rPr lang="en-US" smtClean="0"/>
-              <a:t>1/12/2022</a:t>
-            </a:fld>
-            <a:endParaRPr lang="da-DK"/>
-          </a:p>
-        </p:txBody>
-      </p:sp>
-      <p:sp>
-        <p:nvSpPr>
-          <p:cNvPr id="5" name="Footer Placeholder 4">
-            <a:extLst>
-              <a:ext uri="{FF2B5EF4-FFF2-40B4-BE49-F238E27FC236}">
-                <a16:creationId xmlns:a16="http://schemas.microsoft.com/office/drawing/2014/main" id="{CEBAF4A4-058C-4F90-9A69-972700B01410}"/>
-              </a:ext>
-            </a:extLst>
-          </p:cNvPr>
-          <p:cNvSpPr>
-            <a:spLocks noGrp="1"/>
-          </p:cNvSpPr>
-          <p:nvPr>
-            <p:ph type="ftr" sz="quarter" idx="11"/>
-          </p:nvPr>
-        </p:nvSpPr>
-        <p:spPr/>
-        <p:txBody>
-          <a:bodyPr/>
-          <a:lstStyle/>
-          <a:p>
-            <a:r>
-              <a:rPr lang="da-DK"/>
-              <a:t>Nicki Skafte Detlefsen</a:t>
-            </a:r>
-          </a:p>
-        </p:txBody>
-      </p:sp>
-      <p:sp>
-        <p:nvSpPr>
-          <p:cNvPr id="6" name="Slide Number Placeholder 5">
-            <a:extLst>
-              <a:ext uri="{FF2B5EF4-FFF2-40B4-BE49-F238E27FC236}">
-                <a16:creationId xmlns:a16="http://schemas.microsoft.com/office/drawing/2014/main" id="{D5AF6253-9E48-44DF-A474-7293CE2E4E0C}"/>
-              </a:ext>
-            </a:extLst>
-          </p:cNvPr>
-          <p:cNvSpPr>
-            <a:spLocks noGrp="1"/>
-          </p:cNvSpPr>
-          <p:nvPr>
-            <p:ph type="sldNum" sz="quarter" idx="12"/>
-          </p:nvPr>
-        </p:nvSpPr>
-        <p:spPr/>
-        <p:txBody>
-          <a:bodyPr/>
-          <a:lstStyle/>
-          <a:p>
-            <a:fld id="{F6FEDE24-D50C-481B-A7B4-8AF13899101A}" type="slidenum">
-              <a:rPr lang="da-DK" smtClean="0"/>
-              <a:t>9</a:t>
-            </a:fld>
-            <a:endParaRPr lang="da-DK"/>
-          </a:p>
-        </p:txBody>
-      </p:sp>
-    </p:spTree>
-    <p:extLst>
-      <p:ext uri="{BB962C8B-B14F-4D97-AF65-F5344CB8AC3E}">
-        <p14:creationId xmlns:p14="http://schemas.microsoft.com/office/powerpoint/2010/main" val="3828878610"/>
       </p:ext>
     </p:extLst>
   </p:cSld>
